--- a/MySQL整理/29如何判断一个数据库是不是出问题了？.pptx
+++ b/MySQL整理/29如何判断一个数据库是不是出问题了？.pptx
@@ -201,7 +201,7 @@
           <a:p>
             <a:fld id="{A900F2CD-AD8F-46FC-AAAB-A0D218D6826F}" type="datetimeFigureOut">
               <a:rPr lang="zh-CN" altLang="en-US" smtClean="0"/>
-              <a:t>2019/6/3</a:t>
+              <a:t>2021/10/15</a:t>
             </a:fld>
             <a:endParaRPr lang="zh-CN" altLang="en-US"/>
           </a:p>
@@ -991,7 +991,7 @@
           <a:p>
             <a:fld id="{E396512D-F96B-4538-B91A-F7EB57A489A0}" type="datetimeFigureOut">
               <a:rPr lang="zh-CN" altLang="en-US" smtClean="0"/>
-              <a:t>2019/6/3</a:t>
+              <a:t>2021/10/15</a:t>
             </a:fld>
             <a:endParaRPr lang="zh-CN" altLang="en-US"/>
           </a:p>
@@ -1266,7 +1266,7 @@
           <a:p>
             <a:fld id="{E396512D-F96B-4538-B91A-F7EB57A489A0}" type="datetimeFigureOut">
               <a:rPr lang="zh-CN" altLang="en-US" smtClean="0"/>
-              <a:t>2019/6/3</a:t>
+              <a:t>2021/10/15</a:t>
             </a:fld>
             <a:endParaRPr lang="zh-CN" altLang="en-US"/>
           </a:p>
@@ -1460,7 +1460,7 @@
           <a:p>
             <a:fld id="{E396512D-F96B-4538-B91A-F7EB57A489A0}" type="datetimeFigureOut">
               <a:rPr lang="zh-CN" altLang="en-US" smtClean="0"/>
-              <a:t>2019/6/3</a:t>
+              <a:t>2021/10/15</a:t>
             </a:fld>
             <a:endParaRPr lang="zh-CN" altLang="en-US"/>
           </a:p>
@@ -1733,7 +1733,7 @@
           <a:p>
             <a:fld id="{E396512D-F96B-4538-B91A-F7EB57A489A0}" type="datetimeFigureOut">
               <a:rPr lang="zh-CN" altLang="en-US" smtClean="0"/>
-              <a:t>2019/6/3</a:t>
+              <a:t>2021/10/15</a:t>
             </a:fld>
             <a:endParaRPr lang="zh-CN" altLang="en-US"/>
           </a:p>
@@ -2074,7 +2074,7 @@
           <a:p>
             <a:fld id="{E396512D-F96B-4538-B91A-F7EB57A489A0}" type="datetimeFigureOut">
               <a:rPr lang="zh-CN" altLang="en-US" smtClean="0"/>
-              <a:t>2019/6/3</a:t>
+              <a:t>2021/10/15</a:t>
             </a:fld>
             <a:endParaRPr lang="zh-CN" altLang="en-US"/>
           </a:p>
@@ -2697,7 +2697,7 @@
           <a:p>
             <a:fld id="{E396512D-F96B-4538-B91A-F7EB57A489A0}" type="datetimeFigureOut">
               <a:rPr lang="zh-CN" altLang="en-US" smtClean="0"/>
-              <a:t>2019/6/3</a:t>
+              <a:t>2021/10/15</a:t>
             </a:fld>
             <a:endParaRPr lang="zh-CN" altLang="en-US"/>
           </a:p>
@@ -3557,7 +3557,7 @@
           <a:p>
             <a:fld id="{E396512D-F96B-4538-B91A-F7EB57A489A0}" type="datetimeFigureOut">
               <a:rPr lang="zh-CN" altLang="en-US" smtClean="0"/>
-              <a:t>2019/6/3</a:t>
+              <a:t>2021/10/15</a:t>
             </a:fld>
             <a:endParaRPr lang="zh-CN" altLang="en-US"/>
           </a:p>
@@ -3727,7 +3727,7 @@
           <a:p>
             <a:fld id="{E396512D-F96B-4538-B91A-F7EB57A489A0}" type="datetimeFigureOut">
               <a:rPr lang="zh-CN" altLang="en-US" smtClean="0"/>
-              <a:t>2019/6/3</a:t>
+              <a:t>2021/10/15</a:t>
             </a:fld>
             <a:endParaRPr lang="zh-CN" altLang="en-US"/>
           </a:p>
@@ -3907,7 +3907,7 @@
           <a:p>
             <a:fld id="{E396512D-F96B-4538-B91A-F7EB57A489A0}" type="datetimeFigureOut">
               <a:rPr lang="zh-CN" altLang="en-US" smtClean="0"/>
-              <a:t>2019/6/3</a:t>
+              <a:t>2021/10/15</a:t>
             </a:fld>
             <a:endParaRPr lang="zh-CN" altLang="en-US"/>
           </a:p>
@@ -4077,7 +4077,7 @@
           <a:p>
             <a:fld id="{E396512D-F96B-4538-B91A-F7EB57A489A0}" type="datetimeFigureOut">
               <a:rPr lang="zh-CN" altLang="en-US" smtClean="0"/>
-              <a:t>2019/6/3</a:t>
+              <a:t>2021/10/15</a:t>
             </a:fld>
             <a:endParaRPr lang="zh-CN" altLang="en-US"/>
           </a:p>
@@ -4324,7 +4324,7 @@
           <a:p>
             <a:fld id="{E396512D-F96B-4538-B91A-F7EB57A489A0}" type="datetimeFigureOut">
               <a:rPr lang="zh-CN" altLang="en-US" smtClean="0"/>
-              <a:t>2019/6/3</a:t>
+              <a:t>2021/10/15</a:t>
             </a:fld>
             <a:endParaRPr lang="zh-CN" altLang="en-US"/>
           </a:p>
@@ -4616,7 +4616,7 @@
           <a:p>
             <a:fld id="{E396512D-F96B-4538-B91A-F7EB57A489A0}" type="datetimeFigureOut">
               <a:rPr lang="zh-CN" altLang="en-US" smtClean="0"/>
-              <a:t>2019/6/3</a:t>
+              <a:t>2021/10/15</a:t>
             </a:fld>
             <a:endParaRPr lang="zh-CN" altLang="en-US"/>
           </a:p>
@@ -5060,7 +5060,7 @@
           <a:p>
             <a:fld id="{E396512D-F96B-4538-B91A-F7EB57A489A0}" type="datetimeFigureOut">
               <a:rPr lang="zh-CN" altLang="en-US" smtClean="0"/>
-              <a:t>2019/6/3</a:t>
+              <a:t>2021/10/15</a:t>
             </a:fld>
             <a:endParaRPr lang="zh-CN" altLang="en-US"/>
           </a:p>
@@ -5178,7 +5178,7 @@
           <a:p>
             <a:fld id="{E396512D-F96B-4538-B91A-F7EB57A489A0}" type="datetimeFigureOut">
               <a:rPr lang="zh-CN" altLang="en-US" smtClean="0"/>
-              <a:t>2019/6/3</a:t>
+              <a:t>2021/10/15</a:t>
             </a:fld>
             <a:endParaRPr lang="zh-CN" altLang="en-US"/>
           </a:p>
@@ -5273,7 +5273,7 @@
           <a:p>
             <a:fld id="{E396512D-F96B-4538-B91A-F7EB57A489A0}" type="datetimeFigureOut">
               <a:rPr lang="zh-CN" altLang="en-US" smtClean="0"/>
-              <a:t>2019/6/3</a:t>
+              <a:t>2021/10/15</a:t>
             </a:fld>
             <a:endParaRPr lang="zh-CN" altLang="en-US"/>
           </a:p>
@@ -5552,7 +5552,7 @@
           <a:p>
             <a:fld id="{E396512D-F96B-4538-B91A-F7EB57A489A0}" type="datetimeFigureOut">
               <a:rPr lang="zh-CN" altLang="en-US" smtClean="0"/>
-              <a:t>2019/6/3</a:t>
+              <a:t>2021/10/15</a:t>
             </a:fld>
             <a:endParaRPr lang="zh-CN" altLang="en-US"/>
           </a:p>
@@ -5827,7 +5827,7 @@
           <a:p>
             <a:fld id="{E396512D-F96B-4538-B91A-F7EB57A489A0}" type="datetimeFigureOut">
               <a:rPr lang="zh-CN" altLang="en-US" smtClean="0"/>
-              <a:t>2019/6/3</a:t>
+              <a:t>2021/10/15</a:t>
             </a:fld>
             <a:endParaRPr lang="zh-CN" altLang="en-US"/>
           </a:p>
@@ -6256,7 +6256,7 @@
           <a:p>
             <a:fld id="{E396512D-F96B-4538-B91A-F7EB57A489A0}" type="datetimeFigureOut">
               <a:rPr lang="zh-CN" altLang="en-US" smtClean="0"/>
-              <a:t>2019/6/3</a:t>
+              <a:t>2021/10/15</a:t>
             </a:fld>
             <a:endParaRPr lang="zh-CN" altLang="en-US"/>
           </a:p>
@@ -6818,10 +6818,6 @@
               </a:rPr>
               <a:t>如何判断一个数据库是不是出问题了？</a:t>
             </a:r>
-            <a:endParaRPr lang="zh-CN" altLang="en-US" sz="3200" b="1" dirty="0">
-              <a:latin typeface="微软雅黑" panose="020B0503020204020204" pitchFamily="34" charset="-122"/>
-              <a:ea typeface="微软雅黑" panose="020B0503020204020204" pitchFamily="34" charset="-122"/>
-            </a:endParaRPr>
           </a:p>
         </p:txBody>
       </p:sp>
@@ -7151,10 +7147,6 @@
               </a:rPr>
               <a:t>如何判断一个数据库是不是出问题了？</a:t>
             </a:r>
-            <a:endParaRPr lang="zh-CN" altLang="en-US" sz="3200" b="1" dirty="0">
-              <a:latin typeface="微软雅黑" panose="020B0503020204020204" pitchFamily="34" charset="-122"/>
-              <a:ea typeface="微软雅黑" panose="020B0503020204020204" pitchFamily="34" charset="-122"/>
-            </a:endParaRPr>
           </a:p>
         </p:txBody>
       </p:sp>
@@ -7771,10 +7763,6 @@
               </a:rPr>
               <a:t>3</a:t>
             </a:r>
-            <a:endParaRPr lang="en-US" altLang="zh-CN" sz="1400" dirty="0" smtClean="0">
-              <a:latin typeface="微软雅黑" panose="020B0503020204020204" pitchFamily="34" charset="-122"/>
-              <a:ea typeface="微软雅黑" panose="020B0503020204020204" pitchFamily="34" charset="-122"/>
-            </a:endParaRPr>
           </a:p>
         </p:txBody>
       </p:sp>
@@ -8031,10 +8019,6 @@
               </a:rPr>
               <a:t>如何判断一个数据库是不是出问题了？</a:t>
             </a:r>
-            <a:endParaRPr lang="zh-CN" altLang="en-US" sz="3200" b="1" dirty="0">
-              <a:latin typeface="微软雅黑" panose="020B0503020204020204" pitchFamily="34" charset="-122"/>
-              <a:ea typeface="微软雅黑" panose="020B0503020204020204" pitchFamily="34" charset="-122"/>
-            </a:endParaRPr>
           </a:p>
         </p:txBody>
       </p:sp>
@@ -8106,7 +8090,7 @@
         <p:spPr>
           <a:xfrm>
             <a:off x="114300" y="1279079"/>
-            <a:ext cx="7469124" cy="954107"/>
+            <a:ext cx="7469124" cy="1169551"/>
           </a:xfrm>
           <a:prstGeom prst="rect">
             <a:avLst/>
@@ -8136,49 +8120,17 @@
                 <a:latin typeface="微软雅黑" panose="020B0503020204020204" pitchFamily="34" charset="-122"/>
                 <a:ea typeface="微软雅黑" panose="020B0503020204020204" pitchFamily="34" charset="-122"/>
               </a:rPr>
-              <a:t>&gt; select * from </a:t>
-            </a:r>
-            <a:r>
-              <a:rPr lang="en-US" altLang="zh-CN" sz="1400" dirty="0" err="1">
+              <a:t>&gt; select </a:t>
+            </a:r>
+            <a:r>
+              <a:rPr lang="en-US" altLang="zh-CN" sz="1400">
                 <a:solidFill>
                   <a:srgbClr val="92D050"/>
                 </a:solidFill>
                 <a:latin typeface="微软雅黑" panose="020B0503020204020204" pitchFamily="34" charset="-122"/>
                 <a:ea typeface="微软雅黑" panose="020B0503020204020204" pitchFamily="34" charset="-122"/>
               </a:rPr>
-              <a:t>mysql.health_check</a:t>
-            </a:r>
-            <a:r>
-              <a:rPr lang="en-US" altLang="zh-CN" sz="1400" dirty="0" smtClean="0">
-                <a:solidFill>
-                  <a:srgbClr val="92D050"/>
-                </a:solidFill>
-                <a:latin typeface="微软雅黑" panose="020B0503020204020204" pitchFamily="34" charset="-122"/>
-                <a:ea typeface="微软雅黑" panose="020B0503020204020204" pitchFamily="34" charset="-122"/>
-              </a:rPr>
-              <a:t>;</a:t>
-            </a:r>
-          </a:p>
-          <a:p>
-            <a:r>
-              <a:rPr lang="zh-CN" altLang="en-US" sz="1400" dirty="0">
-                <a:solidFill>
-                  <a:srgbClr val="92D050"/>
-                </a:solidFill>
-                <a:latin typeface="微软雅黑" panose="020B0503020204020204" pitchFamily="34" charset="-122"/>
-                <a:ea typeface="微软雅黑" panose="020B0503020204020204" pitchFamily="34" charset="-122"/>
-              </a:rPr>
-              <a:t>用</a:t>
-            </a:r>
-            <a:r>
-              <a:rPr lang="zh-CN" altLang="en-US" sz="1400" dirty="0" smtClean="0">
-                <a:solidFill>
-                  <a:srgbClr val="92D050"/>
-                </a:solidFill>
-                <a:latin typeface="微软雅黑" panose="020B0503020204020204" pitchFamily="34" charset="-122"/>
-                <a:ea typeface="微软雅黑" panose="020B0503020204020204" pitchFamily="34" charset="-122"/>
-              </a:rPr>
-              <a:t>查表判断，可以避免并发线程的问题引起的错误诊断。</a:t>
+              <a:t>* from mysql.health_check;</a:t>
             </a:r>
             <a:endParaRPr lang="en-US" altLang="zh-CN" sz="1400" dirty="0" smtClean="0">
               <a:solidFill>
@@ -8190,27 +8142,98 @@
           </a:p>
           <a:p>
             <a:r>
-              <a:rPr lang="zh-CN" altLang="en-US" sz="1400" dirty="0" smtClean="0">
+              <a:rPr lang="zh-CN" altLang="en-US" sz="1400">
                 <a:solidFill>
                   <a:srgbClr val="92D050"/>
                 </a:solidFill>
                 <a:latin typeface="微软雅黑" panose="020B0503020204020204" pitchFamily="34" charset="-122"/>
                 <a:ea typeface="微软雅黑" panose="020B0503020204020204" pitchFamily="34" charset="-122"/>
               </a:rPr>
-              <a:t>但无法避免，当磁盘满了（比如</a:t>
-            </a:r>
-            <a:r>
-              <a:rPr lang="en-US" altLang="zh-CN" sz="1400" dirty="0" err="1" smtClean="0">
+              <a:t>可以避免并发线程的问题引起的错误诊断</a:t>
+            </a:r>
+            <a:r>
+              <a:rPr lang="zh-CN" altLang="en-US" sz="1400" smtClean="0">
                 <a:solidFill>
                   <a:srgbClr val="92D050"/>
                 </a:solidFill>
                 <a:latin typeface="微软雅黑" panose="020B0503020204020204" pitchFamily="34" charset="-122"/>
                 <a:ea typeface="微软雅黑" panose="020B0503020204020204" pitchFamily="34" charset="-122"/>
               </a:rPr>
+              <a:t>。</a:t>
+            </a:r>
+            <a:r>
+              <a:rPr lang="en-US" altLang="zh-CN" sz="1400" smtClean="0">
+                <a:solidFill>
+                  <a:srgbClr val="92D050"/>
+                </a:solidFill>
+                <a:latin typeface="微软雅黑" panose="020B0503020204020204" pitchFamily="34" charset="-122"/>
+                <a:ea typeface="微软雅黑" panose="020B0503020204020204" pitchFamily="34" charset="-122"/>
+              </a:rPr>
+              <a:t>,</a:t>
+            </a:r>
+          </a:p>
+          <a:p>
+            <a:endParaRPr lang="en-US" altLang="zh-CN" sz="1400">
+              <a:solidFill>
+                <a:srgbClr val="92D050"/>
+              </a:solidFill>
+              <a:latin typeface="微软雅黑" panose="020B0503020204020204" pitchFamily="34" charset="-122"/>
+              <a:ea typeface="微软雅黑" panose="020B0503020204020204" pitchFamily="34" charset="-122"/>
+            </a:endParaRPr>
+          </a:p>
+          <a:p>
+            <a:r>
+              <a:rPr lang="zh-CN" altLang="en-US" sz="1400" smtClean="0">
+                <a:solidFill>
+                  <a:srgbClr val="92D050"/>
+                </a:solidFill>
+                <a:latin typeface="微软雅黑" panose="020B0503020204020204" pitchFamily="34" charset="-122"/>
+                <a:ea typeface="微软雅黑" panose="020B0503020204020204" pitchFamily="34" charset="-122"/>
+              </a:rPr>
+              <a:t>但</a:t>
+            </a:r>
+            <a:r>
+              <a:rPr lang="zh-CN" altLang="en-US" sz="1400">
+                <a:solidFill>
+                  <a:srgbClr val="92D050"/>
+                </a:solidFill>
+                <a:latin typeface="微软雅黑" panose="020B0503020204020204" pitchFamily="34" charset="-122"/>
+                <a:ea typeface="微软雅黑" panose="020B0503020204020204" pitchFamily="34" charset="-122"/>
+              </a:rPr>
+              <a:t>无法避免，当磁盘满了</a:t>
+            </a:r>
+            <a:r>
+              <a:rPr lang="zh-CN" altLang="en-US" sz="1400" smtClean="0">
+                <a:solidFill>
+                  <a:srgbClr val="92D050"/>
+                </a:solidFill>
+                <a:latin typeface="微软雅黑" panose="020B0503020204020204" pitchFamily="34" charset="-122"/>
+                <a:ea typeface="微软雅黑" panose="020B0503020204020204" pitchFamily="34" charset="-122"/>
+              </a:rPr>
+              <a:t>（比</a:t>
+            </a:r>
+            <a:r>
+              <a:rPr lang="zh-CN" altLang="en-US" sz="1400">
+                <a:solidFill>
+                  <a:srgbClr val="92D050"/>
+                </a:solidFill>
+                <a:latin typeface="微软雅黑" panose="020B0503020204020204" pitchFamily="34" charset="-122"/>
+                <a:ea typeface="微软雅黑" panose="020B0503020204020204" pitchFamily="34" charset="-122"/>
+              </a:rPr>
+              <a:t>如</a:t>
+            </a:r>
+            <a:r>
+              <a:rPr lang="en-US" altLang="zh-CN" sz="1400">
+                <a:solidFill>
+                  <a:srgbClr val="92D050"/>
+                </a:solidFill>
+                <a:latin typeface="微软雅黑" panose="020B0503020204020204" pitchFamily="34" charset="-122"/>
+                <a:ea typeface="微软雅黑" panose="020B0503020204020204" pitchFamily="34" charset="-122"/>
+              </a:rPr>
               <a:t>binlog</a:t>
             </a:r>
             <a:r>
-              <a:rPr lang="zh-CN" altLang="en-US" sz="1400" dirty="0" smtClean="0">
+              <a:rPr lang="zh-CN" altLang="en-US" sz="1400">
                 <a:solidFill>
                   <a:srgbClr val="92D050"/>
                 </a:solidFill>
@@ -8220,7 +8243,7 @@
               <a:t>所在磁盘空间占用率</a:t>
             </a:r>
             <a:r>
-              <a:rPr lang="en-US" altLang="zh-CN" sz="1400" dirty="0" smtClean="0">
+              <a:rPr lang="en-US" altLang="zh-CN" sz="1400">
                 <a:solidFill>
                   <a:srgbClr val="92D050"/>
                 </a:solidFill>
@@ -8230,7 +8253,7 @@
               <a:t>100%</a:t>
             </a:r>
             <a:r>
-              <a:rPr lang="zh-CN" altLang="en-US" sz="1400" dirty="0" smtClean="0">
+              <a:rPr lang="zh-CN" altLang="en-US" sz="1400">
                 <a:solidFill>
                   <a:srgbClr val="92D050"/>
                 </a:solidFill>
@@ -8240,7 +8263,7 @@
               <a:t>），则更新和</a:t>
             </a:r>
             <a:r>
-              <a:rPr lang="en-US" altLang="zh-CN" sz="1400" dirty="0" smtClean="0">
+              <a:rPr lang="en-US" altLang="zh-CN" sz="1400">
                 <a:solidFill>
                   <a:srgbClr val="92D050"/>
                 </a:solidFill>
@@ -8250,7 +8273,7 @@
               <a:t>commit</a:t>
             </a:r>
             <a:r>
-              <a:rPr lang="zh-CN" altLang="en-US" sz="1400" dirty="0" smtClean="0">
+              <a:rPr lang="zh-CN" altLang="en-US" sz="1400">
                 <a:solidFill>
                   <a:srgbClr val="92D050"/>
                 </a:solidFill>
@@ -8260,7 +8283,7 @@
               <a:t>语句被堵住，</a:t>
             </a:r>
             <a:r>
-              <a:rPr lang="en-US" altLang="zh-CN" sz="1400" dirty="0" smtClean="0">
+              <a:rPr lang="en-US" altLang="zh-CN" sz="1400">
                 <a:solidFill>
                   <a:srgbClr val="92D050"/>
                 </a:solidFill>
@@ -8270,26 +8293,26 @@
               <a:t>select</a:t>
             </a:r>
             <a:r>
-              <a:rPr lang="zh-CN" altLang="en-US" sz="1400" dirty="0" smtClean="0">
+              <a:rPr lang="zh-CN" altLang="en-US" sz="1400">
                 <a:solidFill>
                   <a:srgbClr val="92D050"/>
                 </a:solidFill>
                 <a:latin typeface="微软雅黑" panose="020B0503020204020204" pitchFamily="34" charset="-122"/>
                 <a:ea typeface="微软雅黑" panose="020B0503020204020204" pitchFamily="34" charset="-122"/>
               </a:rPr>
-              <a:t>还可以正常执行。</a:t>
-            </a:r>
-            <a:r>
-              <a:rPr lang="en-US" altLang="zh-CN" sz="1400" dirty="0" smtClean="0">
+              <a:t>还可以正常执</a:t>
+            </a:r>
+            <a:r>
+              <a:rPr lang="zh-CN" altLang="en-US" sz="1400" smtClean="0">
                 <a:solidFill>
                   <a:srgbClr val="92D050"/>
                 </a:solidFill>
                 <a:latin typeface="微软雅黑" panose="020B0503020204020204" pitchFamily="34" charset="-122"/>
                 <a:ea typeface="微软雅黑" panose="020B0503020204020204" pitchFamily="34" charset="-122"/>
               </a:rPr>
-              <a:t> </a:t>
-            </a:r>
-            <a:endParaRPr lang="en-US" altLang="zh-CN" sz="1400" dirty="0">
+              <a:t>行。</a:t>
+            </a:r>
+            <a:endParaRPr lang="en-US" altLang="zh-CN" sz="1400" smtClean="0">
               <a:solidFill>
                 <a:srgbClr val="92D050"/>
               </a:solidFill>
@@ -8360,14 +8383,14 @@
       </p:sp>
       <p:sp>
         <p:nvSpPr>
-          <p:cNvPr id="15" name="矩形 14"/>
+          <p:cNvPr id="8" name="矩形 7"/>
           <p:cNvSpPr/>
           <p:nvPr/>
         </p:nvSpPr>
         <p:spPr>
           <a:xfrm>
             <a:off x="142675" y="2879406"/>
-            <a:ext cx="7639250" cy="1169551"/>
+            <a:ext cx="7639250" cy="2246769"/>
           </a:xfrm>
           <a:prstGeom prst="rect">
             <a:avLst/>
@@ -8469,7 +8492,7 @@
               <a:t> set </a:t>
             </a:r>
             <a:r>
-              <a:rPr lang="en-US" altLang="zh-CN" sz="1400" dirty="0" err="1">
+              <a:rPr lang="en-US" altLang="zh-CN" sz="1400" err="1">
                 <a:solidFill>
                   <a:srgbClr val="92D050"/>
                 </a:solidFill>
@@ -8479,7 +8502,7 @@
               <a:t>t_modified</a:t>
             </a:r>
             <a:r>
-              <a:rPr lang="en-US" altLang="zh-CN" sz="1400" dirty="0">
+              <a:rPr lang="en-US" altLang="zh-CN" sz="1400">
                 <a:solidFill>
                   <a:srgbClr val="92D050"/>
                 </a:solidFill>
@@ -8489,7 +8512,7 @@
               <a:t>=now</a:t>
             </a:r>
             <a:r>
-              <a:rPr lang="en-US" altLang="zh-CN" sz="1400" dirty="0" smtClean="0">
+              <a:rPr lang="en-US" altLang="zh-CN" sz="1400" smtClean="0">
                 <a:solidFill>
                   <a:srgbClr val="92D050"/>
                 </a:solidFill>
@@ -8501,55 +8524,44 @@
           </a:p>
           <a:p>
             <a:r>
-              <a:rPr lang="zh-CN" altLang="en-US" sz="1400" dirty="0" smtClean="0">
+              <a:rPr lang="zh-CN" altLang="en-US" sz="1400" smtClean="0">
                 <a:solidFill>
                   <a:srgbClr val="92D050"/>
                 </a:solidFill>
                 <a:latin typeface="微软雅黑" panose="020B0503020204020204" pitchFamily="34" charset="-122"/>
                 <a:ea typeface="微软雅黑" panose="020B0503020204020204" pitchFamily="34" charset="-122"/>
               </a:rPr>
-              <a:t>但检测备库时要注意，备库的</a:t>
-            </a:r>
-            <a:r>
-              <a:rPr lang="en-US" altLang="zh-CN" sz="1400" dirty="0" err="1" smtClean="0">
+              <a:t>对于单库是</a:t>
+            </a:r>
+            <a:r>
+              <a:rPr lang="en-US" altLang="zh-CN" sz="1400" smtClean="0">
                 <a:solidFill>
                   <a:srgbClr val="92D050"/>
                 </a:solidFill>
                 <a:latin typeface="微软雅黑" panose="020B0503020204020204" pitchFamily="34" charset="-122"/>
                 <a:ea typeface="微软雅黑" panose="020B0503020204020204" pitchFamily="34" charset="-122"/>
               </a:rPr>
-              <a:t>binlog</a:t>
-            </a:r>
-            <a:r>
-              <a:rPr lang="zh-CN" altLang="en-US" sz="1400" dirty="0" smtClean="0">
+              <a:t>OK</a:t>
+            </a:r>
+            <a:r>
+              <a:rPr lang="zh-CN" altLang="en-US" sz="1400" smtClean="0">
                 <a:solidFill>
                   <a:srgbClr val="92D050"/>
                 </a:solidFill>
                 <a:latin typeface="微软雅黑" panose="020B0503020204020204" pitchFamily="34" charset="-122"/>
                 <a:ea typeface="微软雅黑" panose="020B0503020204020204" pitchFamily="34" charset="-122"/>
               </a:rPr>
-              <a:t>返回到</a:t>
-            </a:r>
-            <a:r>
-              <a:rPr lang="zh-CN" altLang="en-US" sz="1400" dirty="0">
-                <a:solidFill>
-                  <a:srgbClr val="92D050"/>
-                </a:solidFill>
-                <a:latin typeface="微软雅黑" panose="020B0503020204020204" pitchFamily="34" charset="-122"/>
-                <a:ea typeface="微软雅黑" panose="020B0503020204020204" pitchFamily="34" charset="-122"/>
-              </a:rPr>
-              <a:t>主</a:t>
-            </a:r>
-            <a:r>
-              <a:rPr lang="zh-CN" altLang="en-US" sz="1400" dirty="0" smtClean="0">
-                <a:solidFill>
-                  <a:srgbClr val="92D050"/>
-                </a:solidFill>
-                <a:latin typeface="微软雅黑" panose="020B0503020204020204" pitchFamily="34" charset="-122"/>
-                <a:ea typeface="微软雅黑" panose="020B0503020204020204" pitchFamily="34" charset="-122"/>
-              </a:rPr>
-              <a:t>库时，引起行冲突，引起主备同步停止。</a:t>
-            </a:r>
+              <a:t>的。</a:t>
+            </a:r>
+            <a:endParaRPr lang="en-US" altLang="zh-CN" sz="1400">
+              <a:solidFill>
+                <a:srgbClr val="92D050"/>
+              </a:solidFill>
+              <a:latin typeface="微软雅黑" panose="020B0503020204020204" pitchFamily="34" charset="-122"/>
+              <a:ea typeface="微软雅黑" panose="020B0503020204020204" pitchFamily="34" charset="-122"/>
+            </a:endParaRPr>
+          </a:p>
+          <a:p>
             <a:endParaRPr lang="en-US" altLang="zh-CN" sz="1400" dirty="0" smtClean="0">
               <a:solidFill>
                 <a:srgbClr val="92D050"/>
@@ -8559,6 +8571,244 @@
             </a:endParaRPr>
           </a:p>
           <a:p>
+            <a:r>
+              <a:rPr lang="zh-CN" altLang="en-US" sz="1400">
+                <a:solidFill>
+                  <a:srgbClr val="92D050"/>
+                </a:solidFill>
+                <a:latin typeface="微软雅黑" panose="020B0503020204020204" pitchFamily="34" charset="-122"/>
+                <a:ea typeface="微软雅黑" panose="020B0503020204020204" pitchFamily="34" charset="-122"/>
+              </a:rPr>
+              <a:t>但对于主从结构，这种方式检</a:t>
+            </a:r>
+            <a:r>
+              <a:rPr lang="zh-CN" altLang="en-US" sz="1400" dirty="0" smtClean="0">
+                <a:solidFill>
+                  <a:srgbClr val="92D050"/>
+                </a:solidFill>
+                <a:latin typeface="微软雅黑" panose="020B0503020204020204" pitchFamily="34" charset="-122"/>
+                <a:ea typeface="微软雅黑" panose="020B0503020204020204" pitchFamily="34" charset="-122"/>
+              </a:rPr>
+              <a:t>测备库时要注</a:t>
+            </a:r>
+            <a:r>
+              <a:rPr lang="zh-CN" altLang="en-US" sz="1400" smtClean="0">
+                <a:solidFill>
+                  <a:srgbClr val="92D050"/>
+                </a:solidFill>
+                <a:latin typeface="微软雅黑" panose="020B0503020204020204" pitchFamily="34" charset="-122"/>
+                <a:ea typeface="微软雅黑" panose="020B0503020204020204" pitchFamily="34" charset="-122"/>
+              </a:rPr>
+              <a:t>意，备库本身应该是只读的，这就开了一个特殊的案例</a:t>
+            </a:r>
+            <a:r>
+              <a:rPr lang="en-US" altLang="zh-CN" sz="1400" smtClean="0">
+                <a:solidFill>
+                  <a:srgbClr val="92D050"/>
+                </a:solidFill>
+                <a:latin typeface="微软雅黑" panose="020B0503020204020204" pitchFamily="34" charset="-122"/>
+                <a:ea typeface="微软雅黑" panose="020B0503020204020204" pitchFamily="34" charset="-122"/>
+              </a:rPr>
+              <a:t>——</a:t>
+            </a:r>
+            <a:r>
+              <a:rPr lang="zh-CN" altLang="en-US" sz="1400" smtClean="0">
+                <a:solidFill>
+                  <a:srgbClr val="92D050"/>
+                </a:solidFill>
+                <a:latin typeface="微软雅黑" panose="020B0503020204020204" pitchFamily="34" charset="-122"/>
+                <a:ea typeface="微软雅黑" panose="020B0503020204020204" pitchFamily="34" charset="-122"/>
+              </a:rPr>
+              <a:t>对于监控需要开放读写权限，这对于运维管理带来复杂性。</a:t>
+            </a:r>
+            <a:endParaRPr lang="en-US" altLang="zh-CN" sz="1400" smtClean="0">
+              <a:solidFill>
+                <a:srgbClr val="92D050"/>
+              </a:solidFill>
+              <a:latin typeface="微软雅黑" panose="020B0503020204020204" pitchFamily="34" charset="-122"/>
+              <a:ea typeface="微软雅黑" panose="020B0503020204020204" pitchFamily="34" charset="-122"/>
+            </a:endParaRPr>
+          </a:p>
+          <a:p>
+            <a:endParaRPr lang="en-US" altLang="zh-CN" sz="1400">
+              <a:solidFill>
+                <a:srgbClr val="92D050"/>
+              </a:solidFill>
+              <a:latin typeface="微软雅黑" panose="020B0503020204020204" pitchFamily="34" charset="-122"/>
+              <a:ea typeface="微软雅黑" panose="020B0503020204020204" pitchFamily="34" charset="-122"/>
+            </a:endParaRPr>
+          </a:p>
+          <a:p>
+            <a:r>
+              <a:rPr lang="zh-CN" altLang="en-US" sz="1400">
+                <a:solidFill>
+                  <a:srgbClr val="92D050"/>
+                </a:solidFill>
+                <a:latin typeface="微软雅黑" panose="020B0503020204020204" pitchFamily="34" charset="-122"/>
+                <a:ea typeface="微软雅黑" panose="020B0503020204020204" pitchFamily="34" charset="-122"/>
+              </a:rPr>
+              <a:t>另</a:t>
+            </a:r>
+            <a:r>
+              <a:rPr lang="zh-CN" altLang="en-US" sz="1400" smtClean="0">
+                <a:solidFill>
+                  <a:srgbClr val="92D050"/>
+                </a:solidFill>
+                <a:latin typeface="微软雅黑" panose="020B0503020204020204" pitchFamily="34" charset="-122"/>
+                <a:ea typeface="微软雅黑" panose="020B0503020204020204" pitchFamily="34" charset="-122"/>
+              </a:rPr>
+              <a:t>外如果主备是双主模式，备</a:t>
+            </a:r>
+            <a:r>
+              <a:rPr lang="zh-CN" altLang="en-US" sz="1400" dirty="0" smtClean="0">
+                <a:solidFill>
+                  <a:srgbClr val="92D050"/>
+                </a:solidFill>
+                <a:latin typeface="微软雅黑" panose="020B0503020204020204" pitchFamily="34" charset="-122"/>
+                <a:ea typeface="微软雅黑" panose="020B0503020204020204" pitchFamily="34" charset="-122"/>
+              </a:rPr>
+              <a:t>库的</a:t>
+            </a:r>
+            <a:r>
+              <a:rPr lang="en-US" altLang="zh-CN" sz="1400" dirty="0" err="1" smtClean="0">
+                <a:solidFill>
+                  <a:srgbClr val="92D050"/>
+                </a:solidFill>
+                <a:latin typeface="微软雅黑" panose="020B0503020204020204" pitchFamily="34" charset="-122"/>
+                <a:ea typeface="微软雅黑" panose="020B0503020204020204" pitchFamily="34" charset="-122"/>
+              </a:rPr>
+              <a:t>binlog</a:t>
+            </a:r>
+            <a:r>
+              <a:rPr lang="zh-CN" altLang="en-US" sz="1400" dirty="0" smtClean="0">
+                <a:solidFill>
+                  <a:srgbClr val="92D050"/>
+                </a:solidFill>
+                <a:latin typeface="微软雅黑" panose="020B0503020204020204" pitchFamily="34" charset="-122"/>
+                <a:ea typeface="微软雅黑" panose="020B0503020204020204" pitchFamily="34" charset="-122"/>
+              </a:rPr>
+              <a:t>返回到</a:t>
+            </a:r>
+            <a:r>
+              <a:rPr lang="zh-CN" altLang="en-US" sz="1400" dirty="0">
+                <a:solidFill>
+                  <a:srgbClr val="92D050"/>
+                </a:solidFill>
+                <a:latin typeface="微软雅黑" panose="020B0503020204020204" pitchFamily="34" charset="-122"/>
+                <a:ea typeface="微软雅黑" panose="020B0503020204020204" pitchFamily="34" charset="-122"/>
+              </a:rPr>
+              <a:t>主</a:t>
+            </a:r>
+            <a:r>
+              <a:rPr lang="zh-CN" altLang="en-US" sz="1400" dirty="0" smtClean="0">
+                <a:solidFill>
+                  <a:srgbClr val="92D050"/>
+                </a:solidFill>
+                <a:latin typeface="微软雅黑" panose="020B0503020204020204" pitchFamily="34" charset="-122"/>
+                <a:ea typeface="微软雅黑" panose="020B0503020204020204" pitchFamily="34" charset="-122"/>
+              </a:rPr>
+              <a:t>库时，引起行冲突，引起主备同步停</a:t>
+            </a:r>
+            <a:r>
+              <a:rPr lang="zh-CN" altLang="en-US" sz="1400" smtClean="0">
+                <a:solidFill>
+                  <a:srgbClr val="92D050"/>
+                </a:solidFill>
+                <a:latin typeface="微软雅黑" panose="020B0503020204020204" pitchFamily="34" charset="-122"/>
+                <a:ea typeface="微软雅黑" panose="020B0503020204020204" pitchFamily="34" charset="-122"/>
+              </a:rPr>
+              <a:t>止。</a:t>
+            </a:r>
+            <a:r>
+              <a:rPr lang="zh-CN" altLang="en-US" sz="1400" dirty="0">
+                <a:solidFill>
+                  <a:srgbClr val="92D050"/>
+                </a:solidFill>
+                <a:latin typeface="微软雅黑" panose="020B0503020204020204" pitchFamily="34" charset="-122"/>
+                <a:ea typeface="微软雅黑" panose="020B0503020204020204" pitchFamily="34" charset="-122"/>
+              </a:rPr>
+              <a:t>可以</a:t>
+            </a:r>
+            <a:r>
+              <a:rPr lang="zh-CN" altLang="en-US" sz="1400" smtClean="0">
+                <a:solidFill>
+                  <a:srgbClr val="92D050"/>
+                </a:solidFill>
+                <a:latin typeface="微软雅黑" panose="020B0503020204020204" pitchFamily="34" charset="-122"/>
+                <a:ea typeface="微软雅黑" panose="020B0503020204020204" pitchFamily="34" charset="-122"/>
+              </a:rPr>
+              <a:t>用</a:t>
+            </a:r>
+            <a:r>
+              <a:rPr lang="zh-CN" altLang="en-US" sz="1400" dirty="0" smtClean="0">
+                <a:solidFill>
+                  <a:srgbClr val="92D050"/>
+                </a:solidFill>
+                <a:latin typeface="微软雅黑" panose="020B0503020204020204" pitchFamily="34" charset="-122"/>
+                <a:ea typeface="微软雅黑" panose="020B0503020204020204" pitchFamily="34" charset="-122"/>
+              </a:rPr>
+              <a:t>“</a:t>
+            </a:r>
+            <a:r>
+              <a:rPr lang="en-US" altLang="zh-CN" sz="1400" dirty="0" err="1" smtClean="0">
+                <a:solidFill>
+                  <a:srgbClr val="92D050"/>
+                </a:solidFill>
+                <a:latin typeface="微软雅黑" panose="020B0503020204020204" pitchFamily="34" charset="-122"/>
+                <a:ea typeface="微软雅黑" panose="020B0503020204020204" pitchFamily="34" charset="-122"/>
+              </a:rPr>
+              <a:t>server_id</a:t>
+            </a:r>
+            <a:r>
+              <a:rPr lang="zh-CN" altLang="en-US" sz="1400" dirty="0" smtClean="0">
+                <a:solidFill>
+                  <a:srgbClr val="92D050"/>
+                </a:solidFill>
+                <a:latin typeface="微软雅黑" panose="020B0503020204020204" pitchFamily="34" charset="-122"/>
+                <a:ea typeface="微软雅黑" panose="020B0503020204020204" pitchFamily="34" charset="-122"/>
+              </a:rPr>
+              <a:t>必须不同”来保证检测命令不同，用</a:t>
+            </a:r>
+            <a:r>
+              <a:rPr lang="en-US" altLang="zh-CN" sz="1400" dirty="0" smtClean="0">
+                <a:solidFill>
+                  <a:srgbClr val="92D050"/>
+                </a:solidFill>
+                <a:latin typeface="微软雅黑" panose="020B0503020204020204" pitchFamily="34" charset="-122"/>
+                <a:ea typeface="微软雅黑" panose="020B0503020204020204" pitchFamily="34" charset="-122"/>
+              </a:rPr>
+              <a:t>A,B</a:t>
+            </a:r>
+            <a:r>
+              <a:rPr lang="zh-CN" altLang="en-US" sz="1400" dirty="0" smtClean="0">
+                <a:solidFill>
+                  <a:srgbClr val="92D050"/>
+                </a:solidFill>
+                <a:latin typeface="微软雅黑" panose="020B0503020204020204" pitchFamily="34" charset="-122"/>
+                <a:ea typeface="微软雅黑" panose="020B0503020204020204" pitchFamily="34" charset="-122"/>
+              </a:rPr>
+              <a:t>的</a:t>
+            </a:r>
+            <a:r>
+              <a:rPr lang="en-US" altLang="zh-CN" sz="1400" dirty="0" err="1" smtClean="0">
+                <a:solidFill>
+                  <a:srgbClr val="92D050"/>
+                </a:solidFill>
+                <a:latin typeface="微软雅黑" panose="020B0503020204020204" pitchFamily="34" charset="-122"/>
+                <a:ea typeface="微软雅黑" panose="020B0503020204020204" pitchFamily="34" charset="-122"/>
+              </a:rPr>
+              <a:t>server_id</a:t>
+            </a:r>
+            <a:r>
+              <a:rPr lang="zh-CN" altLang="en-US" sz="1400" dirty="0" smtClean="0">
+                <a:solidFill>
+                  <a:srgbClr val="92D050"/>
+                </a:solidFill>
+                <a:latin typeface="微软雅黑" panose="020B0503020204020204" pitchFamily="34" charset="-122"/>
+                <a:ea typeface="微软雅黑" panose="020B0503020204020204" pitchFamily="34" charset="-122"/>
+              </a:rPr>
+              <a:t>做主键，两行数据用于检测。</a:t>
+            </a:r>
             <a:endParaRPr lang="en-US" altLang="zh-CN" sz="1400" dirty="0">
               <a:solidFill>
                 <a:srgbClr val="92D050"/>
@@ -8567,80 +8817,736 @@
               <a:ea typeface="微软雅黑" panose="020B0503020204020204" pitchFamily="34" charset="-122"/>
             </a:endParaRPr>
           </a:p>
-          <a:p>
-            <a:r>
-              <a:rPr lang="zh-CN" altLang="en-US" sz="1400" dirty="0" smtClean="0">
-                <a:solidFill>
-                  <a:srgbClr val="92D050"/>
-                </a:solidFill>
-                <a:latin typeface="微软雅黑" panose="020B0503020204020204" pitchFamily="34" charset="-122"/>
-                <a:ea typeface="微软雅黑" panose="020B0503020204020204" pitchFamily="34" charset="-122"/>
-              </a:rPr>
-              <a:t>用“</a:t>
-            </a:r>
-            <a:r>
-              <a:rPr lang="en-US" altLang="zh-CN" sz="1400" dirty="0" err="1" smtClean="0">
-                <a:solidFill>
-                  <a:srgbClr val="92D050"/>
-                </a:solidFill>
-                <a:latin typeface="微软雅黑" panose="020B0503020204020204" pitchFamily="34" charset="-122"/>
-                <a:ea typeface="微软雅黑" panose="020B0503020204020204" pitchFamily="34" charset="-122"/>
-              </a:rPr>
-              <a:t>server_id</a:t>
-            </a:r>
-            <a:r>
-              <a:rPr lang="zh-CN" altLang="en-US" sz="1400" dirty="0" smtClean="0">
-                <a:solidFill>
-                  <a:srgbClr val="92D050"/>
-                </a:solidFill>
-                <a:latin typeface="微软雅黑" panose="020B0503020204020204" pitchFamily="34" charset="-122"/>
-                <a:ea typeface="微软雅黑" panose="020B0503020204020204" pitchFamily="34" charset="-122"/>
-              </a:rPr>
-              <a:t>必须不同”来保证检测命令不同，用</a:t>
-            </a:r>
-            <a:r>
-              <a:rPr lang="en-US" altLang="zh-CN" sz="1400" dirty="0" smtClean="0">
-                <a:solidFill>
-                  <a:srgbClr val="92D050"/>
-                </a:solidFill>
-                <a:latin typeface="微软雅黑" panose="020B0503020204020204" pitchFamily="34" charset="-122"/>
-                <a:ea typeface="微软雅黑" panose="020B0503020204020204" pitchFamily="34" charset="-122"/>
-              </a:rPr>
-              <a:t>A,B</a:t>
-            </a:r>
-            <a:r>
-              <a:rPr lang="zh-CN" altLang="en-US" sz="1400" dirty="0" smtClean="0">
-                <a:solidFill>
-                  <a:srgbClr val="92D050"/>
-                </a:solidFill>
-                <a:latin typeface="微软雅黑" panose="020B0503020204020204" pitchFamily="34" charset="-122"/>
-                <a:ea typeface="微软雅黑" panose="020B0503020204020204" pitchFamily="34" charset="-122"/>
-              </a:rPr>
-              <a:t>的</a:t>
-            </a:r>
-            <a:r>
-              <a:rPr lang="en-US" altLang="zh-CN" sz="1400" dirty="0" err="1" smtClean="0">
-                <a:solidFill>
-                  <a:srgbClr val="92D050"/>
-                </a:solidFill>
-                <a:latin typeface="微软雅黑" panose="020B0503020204020204" pitchFamily="34" charset="-122"/>
-                <a:ea typeface="微软雅黑" panose="020B0503020204020204" pitchFamily="34" charset="-122"/>
-              </a:rPr>
-              <a:t>server_id</a:t>
-            </a:r>
-            <a:r>
-              <a:rPr lang="zh-CN" altLang="en-US" sz="1400" dirty="0" smtClean="0">
-                <a:solidFill>
-                  <a:srgbClr val="92D050"/>
-                </a:solidFill>
-                <a:latin typeface="微软雅黑" panose="020B0503020204020204" pitchFamily="34" charset="-122"/>
-                <a:ea typeface="微软雅黑" panose="020B0503020204020204" pitchFamily="34" charset="-122"/>
-              </a:rPr>
-              <a:t>做主键，两行数据用于检测。</a:t>
-            </a:r>
-            <a:endParaRPr lang="en-US" altLang="zh-CN" sz="1400" dirty="0">
+        </p:txBody>
+      </p:sp>
+      <p:sp>
+        <p:nvSpPr>
+          <p:cNvPr id="10" name="流程图: 磁盘 9"/>
+          <p:cNvSpPr/>
+          <p:nvPr/>
+        </p:nvSpPr>
+        <p:spPr>
+          <a:xfrm>
+            <a:off x="10153816" y="1335819"/>
+            <a:ext cx="1518699" cy="1112811"/>
+          </a:xfrm>
+          <a:prstGeom prst="flowChartMagneticDisk">
+            <a:avLst/>
+          </a:prstGeom>
+        </p:spPr>
+        <p:style>
+          <a:lnRef idx="2">
+            <a:schemeClr val="accent1">
+              <a:shade val="50000"/>
+            </a:schemeClr>
+          </a:lnRef>
+          <a:fillRef idx="1">
+            <a:schemeClr val="accent1"/>
+          </a:fillRef>
+          <a:effectRef idx="0">
+            <a:schemeClr val="accent1"/>
+          </a:effectRef>
+          <a:fontRef idx="minor">
+            <a:schemeClr val="lt1"/>
+          </a:fontRef>
+        </p:style>
+        <p:txBody>
+          <a:bodyPr rtlCol="0" anchor="ctr"/>
+          <a:lstStyle/>
+          <a:p>
+            <a:pPr algn="ctr"/>
+            <a:endParaRPr lang="en-US"/>
+          </a:p>
+        </p:txBody>
+      </p:sp>
+      <p:cxnSp>
+        <p:nvCxnSpPr>
+          <p:cNvPr id="11" name="直接箭头连接符 10"/>
+          <p:cNvCxnSpPr/>
+          <p:nvPr/>
+        </p:nvCxnSpPr>
+        <p:spPr>
+          <a:xfrm>
+            <a:off x="8698727" y="1622066"/>
+            <a:ext cx="1455089" cy="7951"/>
+          </a:xfrm>
+          <a:prstGeom prst="straightConnector1">
+            <a:avLst/>
+          </a:prstGeom>
+          <a:ln>
+            <a:solidFill>
+              <a:srgbClr val="00B0F0"/>
+            </a:solidFill>
+            <a:tailEnd type="triangle"/>
+          </a:ln>
+        </p:spPr>
+        <p:style>
+          <a:lnRef idx="1">
+            <a:schemeClr val="accent1"/>
+          </a:lnRef>
+          <a:fillRef idx="0">
+            <a:schemeClr val="accent1"/>
+          </a:fillRef>
+          <a:effectRef idx="0">
+            <a:schemeClr val="accent1"/>
+          </a:effectRef>
+          <a:fontRef idx="minor">
+            <a:schemeClr val="tx1"/>
+          </a:fontRef>
+        </p:style>
+      </p:cxnSp>
+      <p:cxnSp>
+        <p:nvCxnSpPr>
+          <p:cNvPr id="12" name="直接箭头连接符 11"/>
+          <p:cNvCxnSpPr/>
+          <p:nvPr/>
+        </p:nvCxnSpPr>
+        <p:spPr>
+          <a:xfrm>
+            <a:off x="8698727" y="2035348"/>
+            <a:ext cx="1455089" cy="7951"/>
+          </a:xfrm>
+          <a:prstGeom prst="straightConnector1">
+            <a:avLst/>
+          </a:prstGeom>
+          <a:ln>
+            <a:solidFill>
+              <a:srgbClr val="00B0F0"/>
+            </a:solidFill>
+            <a:tailEnd type="triangle"/>
+          </a:ln>
+        </p:spPr>
+        <p:style>
+          <a:lnRef idx="1">
+            <a:schemeClr val="accent1"/>
+          </a:lnRef>
+          <a:fillRef idx="0">
+            <a:schemeClr val="accent1"/>
+          </a:fillRef>
+          <a:effectRef idx="0">
+            <a:schemeClr val="accent1"/>
+          </a:effectRef>
+          <a:fontRef idx="minor">
+            <a:schemeClr val="tx1"/>
+          </a:fontRef>
+        </p:style>
+      </p:cxnSp>
+      <p:sp>
+        <p:nvSpPr>
+          <p:cNvPr id="13" name="矩形 12"/>
+          <p:cNvSpPr/>
+          <p:nvPr/>
+        </p:nvSpPr>
+        <p:spPr>
+          <a:xfrm>
+            <a:off x="8522987" y="1360456"/>
+            <a:ext cx="1311578" cy="261610"/>
+          </a:xfrm>
+          <a:prstGeom prst="rect">
+            <a:avLst/>
+          </a:prstGeom>
+        </p:spPr>
+        <p:txBody>
+          <a:bodyPr wrap="none">
+            <a:spAutoFit/>
+          </a:bodyPr>
+          <a:lstStyle/>
+          <a:p>
+            <a:r>
+              <a:rPr lang="en-US" altLang="zh-CN" sz="1100" smtClean="0">
+                <a:solidFill>
+                  <a:srgbClr val="FF0000"/>
+                </a:solidFill>
+                <a:latin typeface="微软雅黑" panose="020B0503020204020204" pitchFamily="34" charset="-122"/>
+                <a:ea typeface="微软雅黑" panose="020B0503020204020204" pitchFamily="34" charset="-122"/>
+              </a:rPr>
+              <a:t>commit  timeout</a:t>
+            </a:r>
+            <a:endParaRPr lang="en-US" sz="1100">
               <a:solidFill>
-                <a:srgbClr val="92D050"/>
+                <a:srgbClr val="FF0000"/>
+              </a:solidFill>
+            </a:endParaRPr>
+          </a:p>
+        </p:txBody>
+      </p:sp>
+      <p:sp>
+        <p:nvSpPr>
+          <p:cNvPr id="15" name="矩形 14"/>
+          <p:cNvSpPr/>
+          <p:nvPr/>
+        </p:nvSpPr>
+        <p:spPr>
+          <a:xfrm>
+            <a:off x="8538890" y="2027210"/>
+            <a:ext cx="779381" cy="261610"/>
+          </a:xfrm>
+          <a:prstGeom prst="rect">
+            <a:avLst/>
+          </a:prstGeom>
+        </p:spPr>
+        <p:txBody>
+          <a:bodyPr wrap="none">
+            <a:spAutoFit/>
+          </a:bodyPr>
+          <a:lstStyle/>
+          <a:p>
+            <a:r>
+              <a:rPr lang="en-US" altLang="zh-CN" sz="1100" smtClean="0">
+                <a:solidFill>
+                  <a:srgbClr val="FFFF00"/>
+                </a:solidFill>
+                <a:latin typeface="微软雅黑" panose="020B0503020204020204" pitchFamily="34" charset="-122"/>
+                <a:ea typeface="微软雅黑" panose="020B0503020204020204" pitchFamily="34" charset="-122"/>
+              </a:rPr>
+              <a:t>select ok</a:t>
+            </a:r>
+            <a:endParaRPr lang="en-US" sz="1100">
+              <a:solidFill>
+                <a:srgbClr val="FFFF00"/>
+              </a:solidFill>
+            </a:endParaRPr>
+          </a:p>
+        </p:txBody>
+      </p:sp>
+      <p:sp>
+        <p:nvSpPr>
+          <p:cNvPr id="16" name="流程图: 磁盘 15"/>
+          <p:cNvSpPr/>
+          <p:nvPr/>
+        </p:nvSpPr>
+        <p:spPr>
+          <a:xfrm>
+            <a:off x="10169719" y="3364729"/>
+            <a:ext cx="1518699" cy="1112811"/>
+          </a:xfrm>
+          <a:prstGeom prst="flowChartMagneticDisk">
+            <a:avLst/>
+          </a:prstGeom>
+        </p:spPr>
+        <p:style>
+          <a:lnRef idx="2">
+            <a:schemeClr val="accent1">
+              <a:shade val="50000"/>
+            </a:schemeClr>
+          </a:lnRef>
+          <a:fillRef idx="1">
+            <a:schemeClr val="accent1"/>
+          </a:fillRef>
+          <a:effectRef idx="0">
+            <a:schemeClr val="accent1"/>
+          </a:effectRef>
+          <a:fontRef idx="minor">
+            <a:schemeClr val="lt1"/>
+          </a:fontRef>
+        </p:style>
+        <p:txBody>
+          <a:bodyPr rtlCol="0" anchor="ctr"/>
+          <a:lstStyle/>
+          <a:p>
+            <a:pPr algn="ctr"/>
+            <a:endParaRPr lang="en-US"/>
+          </a:p>
+        </p:txBody>
+      </p:sp>
+      <p:cxnSp>
+        <p:nvCxnSpPr>
+          <p:cNvPr id="17" name="直接箭头连接符 16"/>
+          <p:cNvCxnSpPr/>
+          <p:nvPr/>
+        </p:nvCxnSpPr>
+        <p:spPr>
+          <a:xfrm>
+            <a:off x="8714630" y="3905232"/>
+            <a:ext cx="1455089" cy="7951"/>
+          </a:xfrm>
+          <a:prstGeom prst="straightConnector1">
+            <a:avLst/>
+          </a:prstGeom>
+          <a:ln>
+            <a:solidFill>
+              <a:srgbClr val="00B0F0"/>
+            </a:solidFill>
+            <a:tailEnd type="triangle"/>
+          </a:ln>
+        </p:spPr>
+        <p:style>
+          <a:lnRef idx="1">
+            <a:schemeClr val="accent1"/>
+          </a:lnRef>
+          <a:fillRef idx="0">
+            <a:schemeClr val="accent1"/>
+          </a:fillRef>
+          <a:effectRef idx="0">
+            <a:schemeClr val="accent1"/>
+          </a:effectRef>
+          <a:fontRef idx="minor">
+            <a:schemeClr val="tx1"/>
+          </a:fontRef>
+        </p:style>
+      </p:cxnSp>
+      <p:sp>
+        <p:nvSpPr>
+          <p:cNvPr id="18" name="矩形 17"/>
+          <p:cNvSpPr/>
+          <p:nvPr/>
+        </p:nvSpPr>
+        <p:spPr>
+          <a:xfrm>
+            <a:off x="8554793" y="3897094"/>
+            <a:ext cx="662361" cy="261610"/>
+          </a:xfrm>
+          <a:prstGeom prst="rect">
+            <a:avLst/>
+          </a:prstGeom>
+        </p:spPr>
+        <p:txBody>
+          <a:bodyPr wrap="none">
+            <a:spAutoFit/>
+          </a:bodyPr>
+          <a:lstStyle/>
+          <a:p>
+            <a:r>
+              <a:rPr lang="en-US" altLang="zh-CN" sz="1100" smtClean="0">
+                <a:solidFill>
+                  <a:srgbClr val="FFFF00"/>
+                </a:solidFill>
+                <a:latin typeface="微软雅黑" panose="020B0503020204020204" pitchFamily="34" charset="-122"/>
+                <a:ea typeface="微软雅黑" panose="020B0503020204020204" pitchFamily="34" charset="-122"/>
+              </a:rPr>
+              <a:t>update</a:t>
+            </a:r>
+            <a:endParaRPr lang="en-US" sz="1100">
+              <a:solidFill>
+                <a:srgbClr val="FFFF00"/>
+              </a:solidFill>
+            </a:endParaRPr>
+          </a:p>
+        </p:txBody>
+      </p:sp>
+      <p:sp>
+        <p:nvSpPr>
+          <p:cNvPr id="19" name="流程图: 文档 18"/>
+          <p:cNvSpPr/>
+          <p:nvPr/>
+        </p:nvSpPr>
+        <p:spPr>
+          <a:xfrm>
+            <a:off x="10293048" y="3734193"/>
+            <a:ext cx="254442" cy="357979"/>
+          </a:xfrm>
+          <a:prstGeom prst="flowChartDocument">
+            <a:avLst/>
+          </a:prstGeom>
+          <a:solidFill>
+            <a:srgbClr val="00B050"/>
+          </a:solidFill>
+        </p:spPr>
+        <p:style>
+          <a:lnRef idx="2">
+            <a:schemeClr val="accent1">
+              <a:shade val="50000"/>
+            </a:schemeClr>
+          </a:lnRef>
+          <a:fillRef idx="1">
+            <a:schemeClr val="accent1"/>
+          </a:fillRef>
+          <a:effectRef idx="0">
+            <a:schemeClr val="accent1"/>
+          </a:effectRef>
+          <a:fontRef idx="minor">
+            <a:schemeClr val="lt1"/>
+          </a:fontRef>
+        </p:style>
+        <p:txBody>
+          <a:bodyPr rtlCol="0" anchor="ctr"/>
+          <a:lstStyle/>
+          <a:p>
+            <a:pPr algn="ctr"/>
+            <a:endParaRPr lang="en-US"/>
+          </a:p>
+        </p:txBody>
+      </p:sp>
+      <p:sp>
+        <p:nvSpPr>
+          <p:cNvPr id="20" name="流程图: 磁盘 19"/>
+          <p:cNvSpPr/>
+          <p:nvPr/>
+        </p:nvSpPr>
+        <p:spPr>
+          <a:xfrm>
+            <a:off x="10169719" y="5226662"/>
+            <a:ext cx="1518699" cy="1112811"/>
+          </a:xfrm>
+          <a:prstGeom prst="flowChartMagneticDisk">
+            <a:avLst/>
+          </a:prstGeom>
+        </p:spPr>
+        <p:style>
+          <a:lnRef idx="2">
+            <a:schemeClr val="accent1">
+              <a:shade val="50000"/>
+            </a:schemeClr>
+          </a:lnRef>
+          <a:fillRef idx="1">
+            <a:schemeClr val="accent1"/>
+          </a:fillRef>
+          <a:effectRef idx="0">
+            <a:schemeClr val="accent1"/>
+          </a:effectRef>
+          <a:fontRef idx="minor">
+            <a:schemeClr val="lt1"/>
+          </a:fontRef>
+        </p:style>
+        <p:txBody>
+          <a:bodyPr rtlCol="0" anchor="ctr"/>
+          <a:lstStyle/>
+          <a:p>
+            <a:pPr algn="ctr"/>
+            <a:endParaRPr lang="en-US"/>
+          </a:p>
+        </p:txBody>
+      </p:sp>
+      <p:sp>
+        <p:nvSpPr>
+          <p:cNvPr id="21" name="流程图: 文档 20"/>
+          <p:cNvSpPr/>
+          <p:nvPr/>
+        </p:nvSpPr>
+        <p:spPr>
+          <a:xfrm>
+            <a:off x="10293048" y="5596126"/>
+            <a:ext cx="254442" cy="357979"/>
+          </a:xfrm>
+          <a:prstGeom prst="flowChartDocument">
+            <a:avLst/>
+          </a:prstGeom>
+          <a:solidFill>
+            <a:srgbClr val="00B050"/>
+          </a:solidFill>
+        </p:spPr>
+        <p:style>
+          <a:lnRef idx="2">
+            <a:schemeClr val="accent1">
+              <a:shade val="50000"/>
+            </a:schemeClr>
+          </a:lnRef>
+          <a:fillRef idx="1">
+            <a:schemeClr val="accent1"/>
+          </a:fillRef>
+          <a:effectRef idx="0">
+            <a:schemeClr val="accent1"/>
+          </a:effectRef>
+          <a:fontRef idx="minor">
+            <a:schemeClr val="lt1"/>
+          </a:fontRef>
+        </p:style>
+        <p:txBody>
+          <a:bodyPr rtlCol="0" anchor="ctr"/>
+          <a:lstStyle/>
+          <a:p>
+            <a:pPr algn="ctr"/>
+            <a:endParaRPr lang="en-US"/>
+          </a:p>
+        </p:txBody>
+      </p:sp>
+      <p:cxnSp>
+        <p:nvCxnSpPr>
+          <p:cNvPr id="22" name="直接箭头连接符 21"/>
+          <p:cNvCxnSpPr/>
+          <p:nvPr/>
+        </p:nvCxnSpPr>
+        <p:spPr>
+          <a:xfrm>
+            <a:off x="8837959" y="5756000"/>
+            <a:ext cx="1455089" cy="7951"/>
+          </a:xfrm>
+          <a:prstGeom prst="straightConnector1">
+            <a:avLst/>
+          </a:prstGeom>
+          <a:ln>
+            <a:solidFill>
+              <a:srgbClr val="00B0F0"/>
+            </a:solidFill>
+            <a:tailEnd type="triangle"/>
+          </a:ln>
+        </p:spPr>
+        <p:style>
+          <a:lnRef idx="1">
+            <a:schemeClr val="accent1"/>
+          </a:lnRef>
+          <a:fillRef idx="0">
+            <a:schemeClr val="accent1"/>
+          </a:fillRef>
+          <a:effectRef idx="0">
+            <a:schemeClr val="accent1"/>
+          </a:effectRef>
+          <a:fontRef idx="minor">
+            <a:schemeClr val="tx1"/>
+          </a:fontRef>
+        </p:style>
+      </p:cxnSp>
+      <p:sp>
+        <p:nvSpPr>
+          <p:cNvPr id="23" name="矩形 22"/>
+          <p:cNvSpPr/>
+          <p:nvPr/>
+        </p:nvSpPr>
+        <p:spPr>
+          <a:xfrm>
+            <a:off x="8678122" y="5747862"/>
+            <a:ext cx="662361" cy="261610"/>
+          </a:xfrm>
+          <a:prstGeom prst="rect">
+            <a:avLst/>
+          </a:prstGeom>
+        </p:spPr>
+        <p:txBody>
+          <a:bodyPr wrap="none">
+            <a:spAutoFit/>
+          </a:bodyPr>
+          <a:lstStyle/>
+          <a:p>
+            <a:r>
+              <a:rPr lang="en-US" altLang="zh-CN" sz="1100" smtClean="0">
+                <a:solidFill>
+                  <a:srgbClr val="FFFF00"/>
+                </a:solidFill>
+                <a:latin typeface="微软雅黑" panose="020B0503020204020204" pitchFamily="34" charset="-122"/>
+                <a:ea typeface="微软雅黑" panose="020B0503020204020204" pitchFamily="34" charset="-122"/>
+              </a:rPr>
+              <a:t>update</a:t>
+            </a:r>
+            <a:endParaRPr lang="en-US" sz="1100">
+              <a:solidFill>
+                <a:srgbClr val="FFFF00"/>
+              </a:solidFill>
+            </a:endParaRPr>
+          </a:p>
+        </p:txBody>
+      </p:sp>
+      <p:cxnSp>
+        <p:nvCxnSpPr>
+          <p:cNvPr id="24" name="直接箭头连接符 23"/>
+          <p:cNvCxnSpPr>
+            <a:endCxn id="21" idx="0"/>
+          </p:cNvCxnSpPr>
+          <p:nvPr/>
+        </p:nvCxnSpPr>
+        <p:spPr>
+          <a:xfrm>
+            <a:off x="10420269" y="4092172"/>
+            <a:ext cx="0" cy="1503954"/>
+          </a:xfrm>
+          <a:prstGeom prst="straightConnector1">
+            <a:avLst/>
+          </a:prstGeom>
+          <a:ln>
+            <a:solidFill>
+              <a:srgbClr val="00B0F0"/>
+            </a:solidFill>
+            <a:tailEnd type="triangle"/>
+          </a:ln>
+        </p:spPr>
+        <p:style>
+          <a:lnRef idx="1">
+            <a:schemeClr val="accent1"/>
+          </a:lnRef>
+          <a:fillRef idx="0">
+            <a:schemeClr val="accent1"/>
+          </a:fillRef>
+          <a:effectRef idx="0">
+            <a:schemeClr val="accent1"/>
+          </a:effectRef>
+          <a:fontRef idx="minor">
+            <a:schemeClr val="tx1"/>
+          </a:fontRef>
+        </p:style>
+      </p:cxnSp>
+      <p:sp>
+        <p:nvSpPr>
+          <p:cNvPr id="25" name="矩形 24"/>
+          <p:cNvSpPr/>
+          <p:nvPr/>
+        </p:nvSpPr>
+        <p:spPr>
+          <a:xfrm>
+            <a:off x="10420269" y="4704714"/>
+            <a:ext cx="614271" cy="261610"/>
+          </a:xfrm>
+          <a:prstGeom prst="rect">
+            <a:avLst/>
+          </a:prstGeom>
+        </p:spPr>
+        <p:txBody>
+          <a:bodyPr wrap="none">
+            <a:spAutoFit/>
+          </a:bodyPr>
+          <a:lstStyle/>
+          <a:p>
+            <a:r>
+              <a:rPr lang="en-US" altLang="zh-CN" sz="1100" smtClean="0">
+                <a:solidFill>
+                  <a:srgbClr val="FFFF00"/>
+                </a:solidFill>
+                <a:latin typeface="微软雅黑" panose="020B0503020204020204" pitchFamily="34" charset="-122"/>
+                <a:ea typeface="微软雅黑" panose="020B0503020204020204" pitchFamily="34" charset="-122"/>
+              </a:rPr>
+              <a:t>binlog</a:t>
+            </a:r>
+            <a:endParaRPr lang="en-US" sz="1100">
+              <a:solidFill>
+                <a:srgbClr val="FFFF00"/>
+              </a:solidFill>
+            </a:endParaRPr>
+          </a:p>
+        </p:txBody>
+      </p:sp>
+      <p:sp>
+        <p:nvSpPr>
+          <p:cNvPr id="26" name="矩形标注 25"/>
+          <p:cNvSpPr/>
+          <p:nvPr/>
+        </p:nvSpPr>
+        <p:spPr>
+          <a:xfrm>
+            <a:off x="8169757" y="4844149"/>
+            <a:ext cx="1679090" cy="304878"/>
+          </a:xfrm>
+          <a:prstGeom prst="wedgeRectCallout">
+            <a:avLst>
+              <a:gd name="adj1" fmla="val 76998"/>
+              <a:gd name="adj2" fmla="val 208953"/>
+            </a:avLst>
+          </a:prstGeom>
+          <a:solidFill>
+            <a:schemeClr val="tx1">
+              <a:lumMod val="85000"/>
+              <a:alpha val="50000"/>
+            </a:schemeClr>
+          </a:solidFill>
+          <a:ln>
+            <a:solidFill>
+              <a:schemeClr val="accent1"/>
+            </a:solidFill>
+          </a:ln>
+        </p:spPr>
+        <p:style>
+          <a:lnRef idx="0">
+            <a:scrgbClr r="0" g="0" b="0"/>
+          </a:lnRef>
+          <a:fillRef idx="0">
+            <a:scrgbClr r="0" g="0" b="0"/>
+          </a:fillRef>
+          <a:effectRef idx="0">
+            <a:scrgbClr r="0" g="0" b="0"/>
+          </a:effectRef>
+          <a:fontRef idx="minor">
+            <a:schemeClr val="lt1"/>
+          </a:fontRef>
+        </p:style>
+        <p:txBody>
+          <a:bodyPr rtlCol="0" anchor="ctr"/>
+          <a:lstStyle/>
+          <a:p>
+            <a:r>
+              <a:rPr lang="zh-CN" altLang="en-US" sz="1400">
+                <a:latin typeface="微软雅黑" panose="020B0503020204020204" pitchFamily="34" charset="-122"/>
+                <a:ea typeface="微软雅黑" panose="020B0503020204020204" pitchFamily="34" charset="-122"/>
+              </a:rPr>
+              <a:t>注意避免冲突</a:t>
+            </a:r>
+            <a:endParaRPr lang="en-US" altLang="zh-CN" sz="1400" dirty="0" smtClean="0">
+              <a:latin typeface="微软雅黑" panose="020B0503020204020204" pitchFamily="34" charset="-122"/>
+              <a:ea typeface="微软雅黑" panose="020B0503020204020204" pitchFamily="34" charset="-122"/>
+            </a:endParaRPr>
+          </a:p>
+        </p:txBody>
+      </p:sp>
+      <p:sp>
+        <p:nvSpPr>
+          <p:cNvPr id="27" name="矩形 26"/>
+          <p:cNvSpPr/>
+          <p:nvPr/>
+        </p:nvSpPr>
+        <p:spPr>
+          <a:xfrm>
+            <a:off x="2194560" y="5749565"/>
+            <a:ext cx="6090699" cy="369332"/>
+          </a:xfrm>
+          <a:prstGeom prst="rect">
+            <a:avLst/>
+          </a:prstGeom>
+        </p:spPr>
+        <p:txBody>
+          <a:bodyPr wrap="square">
+            <a:spAutoFit/>
+          </a:bodyPr>
+          <a:lstStyle/>
+          <a:p>
+            <a:r>
+              <a:rPr lang="zh-CN" altLang="en-US">
+                <a:solidFill>
+                  <a:srgbClr val="FFFF00"/>
+                </a:solidFill>
+                <a:latin typeface="微软雅黑" panose="020B0503020204020204" pitchFamily="34" charset="-122"/>
+                <a:ea typeface="微软雅黑" panose="020B0503020204020204" pitchFamily="34" charset="-122"/>
+              </a:rPr>
+              <a:t>外部检测</a:t>
+            </a:r>
+            <a:r>
+              <a:rPr lang="zh-CN" altLang="en-US" smtClean="0">
+                <a:solidFill>
+                  <a:srgbClr val="FFFF00"/>
+                </a:solidFill>
+                <a:latin typeface="微软雅黑" panose="020B0503020204020204" pitchFamily="34" charset="-122"/>
+                <a:ea typeface="微软雅黑" panose="020B0503020204020204" pitchFamily="34" charset="-122"/>
+              </a:rPr>
+              <a:t>都</a:t>
+            </a:r>
+            <a:r>
+              <a:rPr lang="zh-CN" altLang="en-US">
+                <a:solidFill>
+                  <a:srgbClr val="FFFF00"/>
+                </a:solidFill>
+                <a:latin typeface="微软雅黑" panose="020B0503020204020204" pitchFamily="34" charset="-122"/>
+                <a:ea typeface="微软雅黑" panose="020B0503020204020204" pitchFamily="34" charset="-122"/>
+              </a:rPr>
+              <a:t>是</a:t>
+            </a:r>
+            <a:r>
+              <a:rPr lang="zh-CN" altLang="en-US" smtClean="0">
+                <a:solidFill>
+                  <a:srgbClr val="FFFF00"/>
+                </a:solidFill>
+                <a:latin typeface="微软雅黑" panose="020B0503020204020204" pitchFamily="34" charset="-122"/>
+                <a:ea typeface="微软雅黑" panose="020B0503020204020204" pitchFamily="34" charset="-122"/>
+              </a:rPr>
+              <a:t>定</a:t>
+            </a:r>
+            <a:r>
+              <a:rPr lang="zh-CN" altLang="en-US">
+                <a:solidFill>
+                  <a:srgbClr val="FFFF00"/>
+                </a:solidFill>
+                <a:latin typeface="微软雅黑" panose="020B0503020204020204" pitchFamily="34" charset="-122"/>
+                <a:ea typeface="微软雅黑" panose="020B0503020204020204" pitchFamily="34" charset="-122"/>
+              </a:rPr>
+              <a:t>时轮</a:t>
+            </a:r>
+            <a:r>
+              <a:rPr lang="zh-CN" altLang="en-US" smtClean="0">
+                <a:solidFill>
+                  <a:srgbClr val="FFFF00"/>
+                </a:solidFill>
+                <a:latin typeface="微软雅黑" panose="020B0503020204020204" pitchFamily="34" charset="-122"/>
+                <a:ea typeface="微软雅黑" panose="020B0503020204020204" pitchFamily="34" charset="-122"/>
+              </a:rPr>
+              <a:t>询的方式，判断的及时性会有些延迟</a:t>
+            </a:r>
+            <a:endParaRPr lang="en-US" altLang="zh-CN" dirty="0" smtClean="0">
+              <a:solidFill>
+                <a:srgbClr val="FFFF00"/>
               </a:solidFill>
               <a:latin typeface="微软雅黑" panose="020B0503020204020204" pitchFamily="34" charset="-122"/>
               <a:ea typeface="微软雅黑" panose="020B0503020204020204" pitchFamily="34" charset="-122"/>
@@ -8719,10 +9625,6 @@
               </a:rPr>
               <a:t>如何判断一个数据库是不是出问题了？</a:t>
             </a:r>
-            <a:endParaRPr lang="zh-CN" altLang="en-US" sz="3200" b="1" dirty="0">
-              <a:latin typeface="微软雅黑" panose="020B0503020204020204" pitchFamily="34" charset="-122"/>
-              <a:ea typeface="微软雅黑" panose="020B0503020204020204" pitchFamily="34" charset="-122"/>
-            </a:endParaRPr>
           </a:p>
         </p:txBody>
       </p:sp>
@@ -8992,70 +9894,91 @@
                 <a:latin typeface="微软雅黑" panose="020B0503020204020204" pitchFamily="34" charset="-122"/>
                 <a:ea typeface="微软雅黑" panose="020B0503020204020204" pitchFamily="34" charset="-122"/>
               </a:rPr>
-              <a:t>写入时间</a:t>
-            </a:r>
-            <a:r>
-              <a:rPr lang="zh-CN" altLang="en-US" sz="1400" dirty="0" smtClean="0">
-                <a:latin typeface="微软雅黑" panose="020B0503020204020204" pitchFamily="34" charset="-122"/>
-                <a:ea typeface="微软雅黑" panose="020B0503020204020204" pitchFamily="34" charset="-122"/>
-              </a:rPr>
-              <a:t>：</a:t>
-            </a:r>
-            <a:r>
-              <a:rPr lang="en-US" altLang="zh-CN" sz="1400" dirty="0" err="1">
-                <a:latin typeface="微软雅黑" panose="020B0503020204020204" pitchFamily="34" charset="-122"/>
-                <a:ea typeface="微软雅黑" panose="020B0503020204020204" pitchFamily="34" charset="-122"/>
-              </a:rPr>
-              <a:t>event_name</a:t>
+              <a:t>写入时</a:t>
+            </a:r>
+            <a:r>
+              <a:rPr lang="zh-CN" altLang="en-US" sz="1400">
+                <a:latin typeface="微软雅黑" panose="020B0503020204020204" pitchFamily="34" charset="-122"/>
+                <a:ea typeface="微软雅黑" panose="020B0503020204020204" pitchFamily="34" charset="-122"/>
+              </a:rPr>
+              <a:t>间</a:t>
+            </a:r>
+            <a:r>
+              <a:rPr lang="zh-CN" altLang="en-US" sz="1400" smtClean="0">
+                <a:latin typeface="微软雅黑" panose="020B0503020204020204" pitchFamily="34" charset="-122"/>
+                <a:ea typeface="微软雅黑" panose="020B0503020204020204" pitchFamily="34" charset="-122"/>
+              </a:rPr>
+              <a:t>：用</a:t>
+            </a:r>
+            <a:r>
+              <a:rPr lang="en-US" altLang="zh-CN" sz="1400" smtClean="0">
+                <a:latin typeface="微软雅黑" panose="020B0503020204020204" pitchFamily="34" charset="-122"/>
+                <a:ea typeface="微软雅黑" panose="020B0503020204020204" pitchFamily="34" charset="-122"/>
+              </a:rPr>
+              <a:t>event_name </a:t>
             </a:r>
             <a:r>
               <a:rPr lang="en-US" altLang="zh-CN" sz="1400" dirty="0">
                 <a:latin typeface="微软雅黑" panose="020B0503020204020204" pitchFamily="34" charset="-122"/>
                 <a:ea typeface="微软雅黑" panose="020B0503020204020204" pitchFamily="34" charset="-122"/>
               </a:rPr>
-              <a:t> = "wait/</a:t>
-            </a:r>
-            <a:r>
-              <a:rPr lang="en-US" altLang="zh-CN" sz="1400" dirty="0" err="1">
+              <a:t>= "</a:t>
+            </a:r>
+            <a:r>
+              <a:rPr lang="en-US" altLang="zh-CN" sz="1400">
+                <a:latin typeface="微软雅黑" panose="020B0503020204020204" pitchFamily="34" charset="-122"/>
+                <a:ea typeface="微软雅黑" panose="020B0503020204020204" pitchFamily="34" charset="-122"/>
+              </a:rPr>
+              <a:t>wait/</a:t>
+            </a:r>
+            <a:r>
+              <a:rPr lang="en-US" altLang="zh-CN" sz="1400" err="1">
                 <a:latin typeface="微软雅黑" panose="020B0503020204020204" pitchFamily="34" charset="-122"/>
                 <a:ea typeface="微软雅黑" panose="020B0503020204020204" pitchFamily="34" charset="-122"/>
               </a:rPr>
               <a:t>io</a:t>
             </a:r>
             <a:r>
-              <a:rPr lang="en-US" altLang="zh-CN" sz="1400" dirty="0">
+              <a:rPr lang="en-US" altLang="zh-CN" sz="1400">
                 <a:latin typeface="微软雅黑" panose="020B0503020204020204" pitchFamily="34" charset="-122"/>
                 <a:ea typeface="微软雅黑" panose="020B0503020204020204" pitchFamily="34" charset="-122"/>
               </a:rPr>
               <a:t>/file/</a:t>
             </a:r>
             <a:r>
-              <a:rPr lang="en-US" altLang="zh-CN" sz="1400" dirty="0" err="1">
+              <a:rPr lang="en-US" altLang="zh-CN" sz="1400" err="1">
                 <a:latin typeface="微软雅黑" panose="020B0503020204020204" pitchFamily="34" charset="-122"/>
                 <a:ea typeface="微软雅黑" panose="020B0503020204020204" pitchFamily="34" charset="-122"/>
               </a:rPr>
               <a:t>sql</a:t>
             </a:r>
             <a:r>
-              <a:rPr lang="en-US" altLang="zh-CN" sz="1400" dirty="0">
+              <a:rPr lang="en-US" altLang="zh-CN" sz="1400">
                 <a:latin typeface="微软雅黑" panose="020B0503020204020204" pitchFamily="34" charset="-122"/>
                 <a:ea typeface="微软雅黑" panose="020B0503020204020204" pitchFamily="34" charset="-122"/>
               </a:rPr>
               <a:t>/</a:t>
             </a:r>
             <a:r>
-              <a:rPr lang="en-US" altLang="zh-CN" sz="1400" dirty="0" err="1">
+              <a:rPr lang="en-US" altLang="zh-CN" sz="1400" err="1">
                 <a:latin typeface="微软雅黑" panose="020B0503020204020204" pitchFamily="34" charset="-122"/>
                 <a:ea typeface="微软雅黑" panose="020B0503020204020204" pitchFamily="34" charset="-122"/>
               </a:rPr>
               <a:t>binlog</a:t>
             </a:r>
             <a:r>
-              <a:rPr lang="en-US" altLang="zh-CN" sz="1400" dirty="0">
+              <a:rPr lang="en-US" altLang="zh-CN" sz="1400" smtClean="0">
                 <a:latin typeface="微软雅黑" panose="020B0503020204020204" pitchFamily="34" charset="-122"/>
                 <a:ea typeface="微软雅黑" panose="020B0503020204020204" pitchFamily="34" charset="-122"/>
               </a:rPr>
               <a:t>"</a:t>
+            </a:r>
+            <a:r>
+              <a:rPr lang="zh-CN" altLang="en-US" sz="1400" smtClean="0">
+                <a:latin typeface="微软雅黑" panose="020B0503020204020204" pitchFamily="34" charset="-122"/>
+                <a:ea typeface="微软雅黑" panose="020B0503020204020204" pitchFamily="34" charset="-122"/>
+              </a:rPr>
+              <a:t>作为条件</a:t>
             </a:r>
             <a:endParaRPr lang="en-US" altLang="zh-CN" sz="1400" dirty="0" smtClean="0">
               <a:latin typeface="微软雅黑" panose="020B0503020204020204" pitchFamily="34" charset="-122"/>
@@ -9072,13 +9995,13 @@
         </p:nvSpPr>
         <p:spPr>
           <a:xfrm>
-            <a:off x="6100755" y="2303547"/>
-            <a:ext cx="1679090" cy="287254"/>
+            <a:off x="6105387" y="2303073"/>
+            <a:ext cx="3579301" cy="484396"/>
           </a:xfrm>
           <a:prstGeom prst="wedgeRectCallout">
             <a:avLst>
-              <a:gd name="adj1" fmla="val -150581"/>
-              <a:gd name="adj2" fmla="val -20127"/>
+              <a:gd name="adj1" fmla="val -98569"/>
+              <a:gd name="adj2" fmla="val -30073"/>
             </a:avLst>
           </a:prstGeom>
           <a:solidFill>
@@ -9110,11 +10033,25 @@
           <a:lstStyle/>
           <a:p>
             <a:r>
-              <a:rPr lang="zh-CN" altLang="en-US" sz="1400" dirty="0" smtClean="0">
-                <a:latin typeface="微软雅黑" panose="020B0503020204020204" pitchFamily="34" charset="-122"/>
-                <a:ea typeface="微软雅黑" panose="020B0503020204020204" pitchFamily="34" charset="-122"/>
-              </a:rPr>
-              <a:t>统计的类型</a:t>
+              <a:rPr lang="zh-CN" altLang="en-US" sz="1400" smtClean="0">
+                <a:latin typeface="微软雅黑" panose="020B0503020204020204" pitchFamily="34" charset="-122"/>
+                <a:ea typeface="微软雅黑" panose="020B0503020204020204" pitchFamily="34" charset="-122"/>
+              </a:rPr>
+              <a:t>统计类型：</a:t>
+            </a:r>
+            <a:r>
+              <a:rPr lang="en-US" altLang="zh-CN" sz="1400" smtClean="0">
+                <a:latin typeface="微软雅黑" panose="020B0503020204020204" pitchFamily="34" charset="-122"/>
+                <a:ea typeface="微软雅黑" panose="020B0503020204020204" pitchFamily="34" charset="-122"/>
+              </a:rPr>
+              <a:t>redo log</a:t>
+            </a:r>
+            <a:r>
+              <a:rPr lang="zh-CN" altLang="en-US" sz="1400" smtClean="0">
+                <a:latin typeface="微软雅黑" panose="020B0503020204020204" pitchFamily="34" charset="-122"/>
+                <a:ea typeface="微软雅黑" panose="020B0503020204020204" pitchFamily="34" charset="-122"/>
+              </a:rPr>
+              <a:t>写入耗时的统计</a:t>
             </a:r>
             <a:endParaRPr lang="en-US" altLang="zh-CN" sz="1400" dirty="0" smtClean="0">
               <a:latin typeface="微软雅黑" panose="020B0503020204020204" pitchFamily="34" charset="-122"/>
@@ -9279,7 +10216,7 @@
         <p:spPr>
           <a:xfrm>
             <a:off x="3105151" y="3284050"/>
-            <a:ext cx="2549780" cy="307777"/>
+            <a:ext cx="5474306" cy="523220"/>
           </a:xfrm>
           <a:prstGeom prst="rect">
             <a:avLst/>
@@ -9292,6 +10229,26 @@
           <a:lstStyle/>
           <a:p>
             <a:r>
+              <a:rPr lang="en-US" altLang="zh-CN" sz="1400" smtClean="0">
+                <a:solidFill>
+                  <a:srgbClr val="FFFF00"/>
+                </a:solidFill>
+                <a:latin typeface="微软雅黑" panose="020B0503020204020204" pitchFamily="34" charset="-122"/>
+                <a:ea typeface="微软雅黑" panose="020B0503020204020204" pitchFamily="34" charset="-122"/>
+              </a:rPr>
+              <a:t>redo log</a:t>
+            </a:r>
+            <a:r>
+              <a:rPr lang="zh-CN" altLang="en-US" sz="1400" smtClean="0">
+                <a:solidFill>
+                  <a:srgbClr val="FFFF00"/>
+                </a:solidFill>
+                <a:latin typeface="微软雅黑" panose="020B0503020204020204" pitchFamily="34" charset="-122"/>
+                <a:ea typeface="微软雅黑" panose="020B0503020204020204" pitchFamily="34" charset="-122"/>
+              </a:rPr>
+              <a:t>读</a:t>
+            </a:r>
+            <a:r>
               <a:rPr lang="zh-CN" altLang="en-US" sz="1400" dirty="0" smtClean="0">
                 <a:solidFill>
                   <a:srgbClr val="FFFF00"/>
@@ -9299,7 +10256,17 @@
                 <a:latin typeface="微软雅黑" panose="020B0503020204020204" pitchFamily="34" charset="-122"/>
                 <a:ea typeface="微软雅黑" panose="020B0503020204020204" pitchFamily="34" charset="-122"/>
               </a:rPr>
-              <a:t>读操作的统计</a:t>
+              <a:t>操作的</a:t>
+            </a:r>
+            <a:r>
+              <a:rPr lang="zh-CN" altLang="en-US" sz="1400" smtClean="0">
+                <a:solidFill>
+                  <a:srgbClr val="FFFF00"/>
+                </a:solidFill>
+                <a:latin typeface="微软雅黑" panose="020B0503020204020204" pitchFamily="34" charset="-122"/>
+                <a:ea typeface="微软雅黑" panose="020B0503020204020204" pitchFamily="34" charset="-122"/>
+              </a:rPr>
+              <a:t>统计：次数、耗时总和、耗时最小值、耗时平均值、耗时最大值、总共读了多少字节</a:t>
             </a:r>
             <a:endParaRPr lang="en-US" altLang="zh-CN" sz="1400" dirty="0" smtClean="0">
               <a:solidFill>
@@ -9363,7 +10330,7 @@
         <p:spPr>
           <a:xfrm>
             <a:off x="3105151" y="4153787"/>
-            <a:ext cx="2549780" cy="307777"/>
+            <a:ext cx="5291426" cy="523220"/>
           </a:xfrm>
           <a:prstGeom prst="rect">
             <a:avLst/>
@@ -9376,16 +10343,66 @@
           <a:lstStyle/>
           <a:p>
             <a:r>
-              <a:rPr lang="zh-CN" altLang="en-US" sz="1400" dirty="0" smtClean="0">
+              <a:rPr lang="en-US" altLang="zh-CN" sz="1400">
                 <a:solidFill>
                   <a:srgbClr val="FFFF00"/>
                 </a:solidFill>
                 <a:latin typeface="微软雅黑" panose="020B0503020204020204" pitchFamily="34" charset="-122"/>
                 <a:ea typeface="微软雅黑" panose="020B0503020204020204" pitchFamily="34" charset="-122"/>
               </a:rPr>
-              <a:t>写操作的统计</a:t>
-            </a:r>
-            <a:endParaRPr lang="en-US" altLang="zh-CN" sz="1400" dirty="0" smtClean="0">
+              <a:t>redo </a:t>
+            </a:r>
+            <a:r>
+              <a:rPr lang="en-US" altLang="zh-CN" sz="1400" smtClean="0">
+                <a:solidFill>
+                  <a:srgbClr val="FFFF00"/>
+                </a:solidFill>
+                <a:latin typeface="微软雅黑" panose="020B0503020204020204" pitchFamily="34" charset="-122"/>
+                <a:ea typeface="微软雅黑" panose="020B0503020204020204" pitchFamily="34" charset="-122"/>
+              </a:rPr>
+              <a:t>log</a:t>
+            </a:r>
+            <a:r>
+              <a:rPr lang="zh-CN" altLang="en-US" sz="1400" smtClean="0">
+                <a:solidFill>
+                  <a:srgbClr val="FFFF00"/>
+                </a:solidFill>
+                <a:latin typeface="微软雅黑" panose="020B0503020204020204" pitchFamily="34" charset="-122"/>
+                <a:ea typeface="微软雅黑" panose="020B0503020204020204" pitchFamily="34" charset="-122"/>
+              </a:rPr>
+              <a:t>写操</a:t>
+            </a:r>
+            <a:r>
+              <a:rPr lang="zh-CN" altLang="en-US" sz="1400">
+                <a:solidFill>
+                  <a:srgbClr val="FFFF00"/>
+                </a:solidFill>
+                <a:latin typeface="微软雅黑" panose="020B0503020204020204" pitchFamily="34" charset="-122"/>
+                <a:ea typeface="微软雅黑" panose="020B0503020204020204" pitchFamily="34" charset="-122"/>
+              </a:rPr>
+              <a:t>作的统计：次数、耗时总和、耗时最小值、耗时平均值、耗时最大值、总</a:t>
+            </a:r>
+            <a:r>
+              <a:rPr lang="zh-CN" altLang="en-US" sz="1400" smtClean="0">
+                <a:solidFill>
+                  <a:srgbClr val="FFFF00"/>
+                </a:solidFill>
+                <a:latin typeface="微软雅黑" panose="020B0503020204020204" pitchFamily="34" charset="-122"/>
+                <a:ea typeface="微软雅黑" panose="020B0503020204020204" pitchFamily="34" charset="-122"/>
+              </a:rPr>
+              <a:t>共写了</a:t>
+            </a:r>
+            <a:r>
+              <a:rPr lang="zh-CN" altLang="en-US" sz="1400">
+                <a:solidFill>
+                  <a:srgbClr val="FFFF00"/>
+                </a:solidFill>
+                <a:latin typeface="微软雅黑" panose="020B0503020204020204" pitchFamily="34" charset="-122"/>
+                <a:ea typeface="微软雅黑" panose="020B0503020204020204" pitchFamily="34" charset="-122"/>
+              </a:rPr>
+              <a:t>多少字节</a:t>
+            </a:r>
+            <a:endParaRPr lang="en-US" altLang="zh-CN" sz="1400" dirty="0">
               <a:solidFill>
                 <a:srgbClr val="FFFF00"/>
               </a:solidFill>
@@ -9521,145 +10538,13 @@
       </p:sp>
       <p:sp>
         <p:nvSpPr>
-          <p:cNvPr id="33" name="矩形标注 32"/>
-          <p:cNvSpPr/>
-          <p:nvPr/>
-        </p:nvSpPr>
-        <p:spPr>
-          <a:xfrm>
-            <a:off x="6253155" y="2455947"/>
-            <a:ext cx="1679090" cy="287254"/>
-          </a:xfrm>
-          <a:prstGeom prst="wedgeRectCallout">
-            <a:avLst>
-              <a:gd name="adj1" fmla="val -150581"/>
-              <a:gd name="adj2" fmla="val -20127"/>
-            </a:avLst>
-          </a:prstGeom>
-          <a:solidFill>
-            <a:schemeClr val="tx1">
-              <a:lumMod val="85000"/>
-              <a:alpha val="50000"/>
-            </a:schemeClr>
-          </a:solidFill>
-          <a:ln>
-            <a:noFill/>
-          </a:ln>
-        </p:spPr>
-        <p:style>
-          <a:lnRef idx="0">
-            <a:scrgbClr r="0" g="0" b="0"/>
-          </a:lnRef>
-          <a:fillRef idx="0">
-            <a:scrgbClr r="0" g="0" b="0"/>
-          </a:fillRef>
-          <a:effectRef idx="0">
-            <a:scrgbClr r="0" g="0" b="0"/>
-          </a:effectRef>
-          <a:fontRef idx="minor">
-            <a:schemeClr val="lt1"/>
-          </a:fontRef>
-        </p:style>
-        <p:txBody>
-          <a:bodyPr rtlCol="0" anchor="ctr"/>
-          <a:lstStyle/>
-          <a:p>
-            <a:r>
-              <a:rPr lang="zh-CN" altLang="en-US" sz="1400" dirty="0" smtClean="0">
-                <a:latin typeface="微软雅黑" panose="020B0503020204020204" pitchFamily="34" charset="-122"/>
-                <a:ea typeface="微软雅黑" panose="020B0503020204020204" pitchFamily="34" charset="-122"/>
-              </a:rPr>
-              <a:t>统计的类型</a:t>
-            </a:r>
-            <a:endParaRPr lang="en-US" altLang="zh-CN" sz="1400" dirty="0" smtClean="0">
-              <a:latin typeface="微软雅黑" panose="020B0503020204020204" pitchFamily="34" charset="-122"/>
-              <a:ea typeface="微软雅黑" panose="020B0503020204020204" pitchFamily="34" charset="-122"/>
-            </a:endParaRPr>
-          </a:p>
-        </p:txBody>
-      </p:sp>
-      <p:sp>
-        <p:nvSpPr>
-          <p:cNvPr id="36" name="矩形标注 35"/>
-          <p:cNvSpPr/>
-          <p:nvPr/>
-        </p:nvSpPr>
-        <p:spPr>
-          <a:xfrm>
-            <a:off x="3533352" y="3770442"/>
-            <a:ext cx="2905548" cy="287254"/>
-          </a:xfrm>
-          <a:prstGeom prst="wedgeRectCallout">
-            <a:avLst>
-              <a:gd name="adj1" fmla="val -92117"/>
-              <a:gd name="adj2" fmla="val -2443"/>
-            </a:avLst>
-          </a:prstGeom>
-          <a:solidFill>
-            <a:schemeClr val="tx1">
-              <a:lumMod val="85000"/>
-              <a:alpha val="50000"/>
-            </a:schemeClr>
-          </a:solidFill>
-          <a:ln>
-            <a:noFill/>
-          </a:ln>
-        </p:spPr>
-        <p:style>
-          <a:lnRef idx="0">
-            <a:scrgbClr r="0" g="0" b="0"/>
-          </a:lnRef>
-          <a:fillRef idx="0">
-            <a:scrgbClr r="0" g="0" b="0"/>
-          </a:fillRef>
-          <a:effectRef idx="0">
-            <a:scrgbClr r="0" g="0" b="0"/>
-          </a:effectRef>
-          <a:fontRef idx="minor">
-            <a:schemeClr val="lt1"/>
-          </a:fontRef>
-        </p:style>
-        <p:txBody>
-          <a:bodyPr rtlCol="0" anchor="ctr"/>
-          <a:lstStyle/>
-          <a:p>
-            <a:r>
-              <a:rPr lang="zh-CN" altLang="en-US" sz="1400" dirty="0" smtClean="0">
-                <a:latin typeface="微软雅黑" panose="020B0503020204020204" pitchFamily="34" charset="-122"/>
-                <a:ea typeface="微软雅黑" panose="020B0503020204020204" pitchFamily="34" charset="-122"/>
-              </a:rPr>
-              <a:t>总共从</a:t>
-            </a:r>
-            <a:r>
-              <a:rPr lang="en-US" altLang="zh-CN" sz="1400" dirty="0" smtClean="0">
-                <a:latin typeface="微软雅黑" panose="020B0503020204020204" pitchFamily="34" charset="-122"/>
-                <a:ea typeface="微软雅黑" panose="020B0503020204020204" pitchFamily="34" charset="-122"/>
-              </a:rPr>
-              <a:t>redo log</a:t>
-            </a:r>
-            <a:r>
-              <a:rPr lang="zh-CN" altLang="en-US" sz="1400" dirty="0" smtClean="0">
-                <a:latin typeface="微软雅黑" panose="020B0503020204020204" pitchFamily="34" charset="-122"/>
-                <a:ea typeface="微软雅黑" panose="020B0503020204020204" pitchFamily="34" charset="-122"/>
-              </a:rPr>
-              <a:t>里读了多少字节</a:t>
-            </a:r>
-            <a:endParaRPr lang="en-US" altLang="zh-CN" sz="1400" dirty="0" smtClean="0">
-              <a:latin typeface="微软雅黑" panose="020B0503020204020204" pitchFamily="34" charset="-122"/>
-              <a:ea typeface="微软雅黑" panose="020B0503020204020204" pitchFamily="34" charset="-122"/>
-            </a:endParaRPr>
-          </a:p>
-        </p:txBody>
-      </p:sp>
-      <p:sp>
-        <p:nvSpPr>
           <p:cNvPr id="40" name="矩形 39"/>
           <p:cNvSpPr/>
           <p:nvPr/>
         </p:nvSpPr>
         <p:spPr>
           <a:xfrm>
-            <a:off x="266700" y="1799711"/>
+            <a:off x="114300" y="1678124"/>
             <a:ext cx="7937500" cy="307777"/>
           </a:xfrm>
           <a:prstGeom prst="rect">
@@ -9673,27 +10558,142 @@
           <a:lstStyle/>
           <a:p>
             <a:r>
-              <a:rPr lang="zh-CN" altLang="en-US" sz="1400" dirty="0">
-                <a:latin typeface="微软雅黑" panose="020B0503020204020204" pitchFamily="34" charset="-122"/>
-                <a:ea typeface="微软雅黑" panose="020B0503020204020204" pitchFamily="34" charset="-122"/>
-              </a:rPr>
-              <a:t>统计</a:t>
+              <a:rPr lang="zh-CN" altLang="en-US" sz="1400" smtClean="0">
+                <a:latin typeface="微软雅黑" panose="020B0503020204020204" pitchFamily="34" charset="-122"/>
+                <a:ea typeface="微软雅黑" panose="020B0503020204020204" pitchFamily="34" charset="-122"/>
+              </a:rPr>
+              <a:t>例如：查</a:t>
+            </a:r>
+            <a:r>
+              <a:rPr lang="zh-CN" altLang="en-US" sz="1400">
+                <a:latin typeface="微软雅黑" panose="020B0503020204020204" pitchFamily="34" charset="-122"/>
+                <a:ea typeface="微软雅黑" panose="020B0503020204020204" pitchFamily="34" charset="-122"/>
+              </a:rPr>
+              <a:t>看</a:t>
+            </a:r>
+            <a:r>
+              <a:rPr lang="en-US" altLang="zh-CN" sz="1400" smtClean="0">
+                <a:latin typeface="微软雅黑" panose="020B0503020204020204" pitchFamily="34" charset="-122"/>
+                <a:ea typeface="微软雅黑" panose="020B0503020204020204" pitchFamily="34" charset="-122"/>
+              </a:rPr>
+              <a:t>redo </a:t>
             </a:r>
             <a:r>
               <a:rPr lang="en-US" altLang="zh-CN" sz="1400" dirty="0" smtClean="0">
                 <a:latin typeface="微软雅黑" panose="020B0503020204020204" pitchFamily="34" charset="-122"/>
                 <a:ea typeface="微软雅黑" panose="020B0503020204020204" pitchFamily="34" charset="-122"/>
               </a:rPr>
-              <a:t>redo log</a:t>
-            </a:r>
-            <a:r>
-              <a:rPr lang="zh-CN" altLang="en-US" sz="1400" dirty="0" smtClean="0">
-                <a:latin typeface="微软雅黑" panose="020B0503020204020204" pitchFamily="34" charset="-122"/>
-                <a:ea typeface="微软雅黑" panose="020B0503020204020204" pitchFamily="34" charset="-122"/>
-              </a:rPr>
-              <a:t>写入的时间：</a:t>
+              <a:t>log</a:t>
+            </a:r>
+            <a:r>
+              <a:rPr lang="zh-CN" altLang="en-US" sz="1400" smtClean="0">
+                <a:latin typeface="微软雅黑" panose="020B0503020204020204" pitchFamily="34" charset="-122"/>
+                <a:ea typeface="微软雅黑" panose="020B0503020204020204" pitchFamily="34" charset="-122"/>
+              </a:rPr>
+              <a:t>写入耗时统计：</a:t>
             </a:r>
             <a:endParaRPr lang="en-US" altLang="zh-CN" sz="1400" dirty="0" smtClean="0">
+              <a:latin typeface="微软雅黑" panose="020B0503020204020204" pitchFamily="34" charset="-122"/>
+              <a:ea typeface="微软雅黑" panose="020B0503020204020204" pitchFamily="34" charset="-122"/>
+            </a:endParaRPr>
+          </a:p>
+        </p:txBody>
+      </p:sp>
+      <p:sp>
+        <p:nvSpPr>
+          <p:cNvPr id="17" name="矩形 16"/>
+          <p:cNvSpPr/>
+          <p:nvPr/>
+        </p:nvSpPr>
+        <p:spPr>
+          <a:xfrm>
+            <a:off x="2796954" y="6229505"/>
+            <a:ext cx="7062663" cy="369332"/>
+          </a:xfrm>
+          <a:prstGeom prst="rect">
+            <a:avLst/>
+          </a:prstGeom>
+        </p:spPr>
+        <p:txBody>
+          <a:bodyPr wrap="square">
+            <a:spAutoFit/>
+          </a:bodyPr>
+          <a:lstStyle/>
+          <a:p>
+            <a:r>
+              <a:rPr lang="zh-CN" altLang="en-US">
+                <a:solidFill>
+                  <a:srgbClr val="FFFF00"/>
+                </a:solidFill>
+                <a:latin typeface="微软雅黑" panose="020B0503020204020204" pitchFamily="34" charset="-122"/>
+                <a:ea typeface="微软雅黑" panose="020B0503020204020204" pitchFamily="34" charset="-122"/>
+              </a:rPr>
+              <a:t>如果</a:t>
+            </a:r>
+            <a:r>
+              <a:rPr lang="zh-CN" altLang="en-US">
+                <a:solidFill>
+                  <a:srgbClr val="FFFF00"/>
+                </a:solidFill>
+                <a:latin typeface="微软雅黑" panose="020B0503020204020204" pitchFamily="34" charset="-122"/>
+                <a:ea typeface="微软雅黑" panose="020B0503020204020204" pitchFamily="34" charset="-122"/>
+              </a:rPr>
+              <a:t>打</a:t>
+            </a:r>
+            <a:r>
+              <a:rPr lang="zh-CN" altLang="en-US" smtClean="0">
+                <a:solidFill>
+                  <a:srgbClr val="FFFF00"/>
+                </a:solidFill>
+                <a:latin typeface="微软雅黑" panose="020B0503020204020204" pitchFamily="34" charset="-122"/>
+                <a:ea typeface="微软雅黑" panose="020B0503020204020204" pitchFamily="34" charset="-122"/>
+              </a:rPr>
+              <a:t>开 </a:t>
+            </a:r>
+            <a:r>
+              <a:rPr lang="en-US" altLang="zh-CN">
+                <a:solidFill>
+                  <a:srgbClr val="FFFF00"/>
+                </a:solidFill>
+                <a:latin typeface="微软雅黑" panose="020B0503020204020204" pitchFamily="34" charset="-122"/>
+                <a:ea typeface="微软雅黑" panose="020B0503020204020204" pitchFamily="34" charset="-122"/>
+              </a:rPr>
+              <a:t>performance_schema </a:t>
+            </a:r>
+            <a:r>
+              <a:rPr lang="zh-CN" altLang="en-US">
+                <a:solidFill>
+                  <a:srgbClr val="FFFF00"/>
+                </a:solidFill>
+                <a:latin typeface="微软雅黑" panose="020B0503020204020204" pitchFamily="34" charset="-122"/>
+                <a:ea typeface="微软雅黑" panose="020B0503020204020204" pitchFamily="34" charset="-122"/>
+              </a:rPr>
+              <a:t>项，性能大概会下降 </a:t>
+            </a:r>
+            <a:r>
+              <a:rPr lang="en-US" altLang="zh-CN">
+                <a:solidFill>
+                  <a:srgbClr val="FFFF00"/>
+                </a:solidFill>
+                <a:latin typeface="微软雅黑" panose="020B0503020204020204" pitchFamily="34" charset="-122"/>
+                <a:ea typeface="微软雅黑" panose="020B0503020204020204" pitchFamily="34" charset="-122"/>
+              </a:rPr>
+              <a:t>10% </a:t>
+            </a:r>
+            <a:r>
+              <a:rPr lang="zh-CN" altLang="en-US">
+                <a:solidFill>
+                  <a:srgbClr val="FFFF00"/>
+                </a:solidFill>
+                <a:latin typeface="微软雅黑" panose="020B0503020204020204" pitchFamily="34" charset="-122"/>
+                <a:ea typeface="微软雅黑" panose="020B0503020204020204" pitchFamily="34" charset="-122"/>
+              </a:rPr>
+              <a:t>左右。</a:t>
+            </a:r>
+            <a:endParaRPr lang="en-US" altLang="zh-CN" dirty="0" smtClean="0">
+              <a:solidFill>
+                <a:srgbClr val="FFFF00"/>
+              </a:solidFill>
               <a:latin typeface="微软雅黑" panose="020B0503020204020204" pitchFamily="34" charset="-122"/>
               <a:ea typeface="微软雅黑" panose="020B0503020204020204" pitchFamily="34" charset="-122"/>
             </a:endParaRPr>
@@ -9771,10 +10771,6 @@
               </a:rPr>
               <a:t>如何判断一个数据库是不是出问题了？</a:t>
             </a:r>
-            <a:endParaRPr lang="zh-CN" altLang="en-US" sz="3200" b="1" dirty="0">
-              <a:latin typeface="微软雅黑" panose="020B0503020204020204" pitchFamily="34" charset="-122"/>
-              <a:ea typeface="微软雅黑" panose="020B0503020204020204" pitchFamily="34" charset="-122"/>
-            </a:endParaRPr>
           </a:p>
         </p:txBody>
       </p:sp>
